--- a/Slides/Unit 1 - Intro, array, complexity.pptx
+++ b/Slides/Unit 1 - Intro, array, complexity.pptx
@@ -5,7 +5,7 @@
     <p:sldMasterId id="2147483729" r:id="rId1"/>
   </p:sldMasterIdLst>
   <p:notesMasterIdLst>
-    <p:notesMasterId r:id="rId57"/>
+    <p:notesMasterId r:id="rId58"/>
   </p:notesMasterIdLst>
   <p:sldIdLst>
     <p:sldId id="256" r:id="rId2"/>
@@ -45,24 +45,25 @@
     <p:sldId id="328" r:id="rId36"/>
     <p:sldId id="289" r:id="rId37"/>
     <p:sldId id="286" r:id="rId38"/>
-    <p:sldId id="287" r:id="rId39"/>
-    <p:sldId id="330" r:id="rId40"/>
-    <p:sldId id="288" r:id="rId41"/>
-    <p:sldId id="291" r:id="rId42"/>
-    <p:sldId id="292" r:id="rId43"/>
-    <p:sldId id="290" r:id="rId44"/>
-    <p:sldId id="293" r:id="rId45"/>
-    <p:sldId id="324" r:id="rId46"/>
-    <p:sldId id="296" r:id="rId47"/>
-    <p:sldId id="297" r:id="rId48"/>
-    <p:sldId id="298" r:id="rId49"/>
-    <p:sldId id="299" r:id="rId50"/>
-    <p:sldId id="301" r:id="rId51"/>
-    <p:sldId id="302" r:id="rId52"/>
-    <p:sldId id="303" r:id="rId53"/>
-    <p:sldId id="300" r:id="rId54"/>
-    <p:sldId id="304" r:id="rId55"/>
-    <p:sldId id="314" r:id="rId56"/>
+    <p:sldId id="332" r:id="rId39"/>
+    <p:sldId id="287" r:id="rId40"/>
+    <p:sldId id="330" r:id="rId41"/>
+    <p:sldId id="288" r:id="rId42"/>
+    <p:sldId id="291" r:id="rId43"/>
+    <p:sldId id="292" r:id="rId44"/>
+    <p:sldId id="290" r:id="rId45"/>
+    <p:sldId id="293" r:id="rId46"/>
+    <p:sldId id="324" r:id="rId47"/>
+    <p:sldId id="296" r:id="rId48"/>
+    <p:sldId id="297" r:id="rId49"/>
+    <p:sldId id="298" r:id="rId50"/>
+    <p:sldId id="299" r:id="rId51"/>
+    <p:sldId id="301" r:id="rId52"/>
+    <p:sldId id="302" r:id="rId53"/>
+    <p:sldId id="303" r:id="rId54"/>
+    <p:sldId id="300" r:id="rId55"/>
+    <p:sldId id="304" r:id="rId56"/>
+    <p:sldId id="314" r:id="rId57"/>
   </p:sldIdLst>
   <p:sldSz cx="12192000" cy="6858000"/>
   <p:notesSz cx="6858000" cy="9144000"/>
@@ -169,6 +170,10 @@
 </p:presentation>
 </file>
 
+<file path=ppt/revisionInfo.xml><?xml version="1.0" encoding="utf-8"?>
+<p1510:revInfo xmlns:a="http://schemas.openxmlformats.org/drawingml/2006/main" xmlns:r="http://schemas.openxmlformats.org/officeDocument/2006/relationships" xmlns:p1510="http://schemas.microsoft.com/office/powerpoint/2015/10/main"/>
+</file>
+
 <file path=ppt/notesMasters/notesMaster1.xml><?xml version="1.0" encoding="utf-8"?>
 <p:notesMaster xmlns:a="http://schemas.openxmlformats.org/drawingml/2006/main" xmlns:r="http://schemas.openxmlformats.org/officeDocument/2006/relationships" xmlns:p="http://schemas.openxmlformats.org/presentationml/2006/main">
   <p:cSld>
@@ -251,7 +256,7 @@
           <a:p>
             <a:fld id="{F314420D-16BA-4EDC-9A71-800590EAD5A3}" type="datetimeFigureOut">
               <a:rPr lang="en-GB" smtClean="0"/>
-              <a:t>15/11/2016</a:t>
+              <a:t>09/10/2017</a:t>
             </a:fld>
             <a:endParaRPr lang="en-GB"/>
           </a:p>
@@ -1526,7 +1531,7 @@
           <a:p>
             <a:fld id="{18C26D5F-E074-46D4-9D12-EC6FA35BF351}" type="datetime1">
               <a:rPr lang="en-GB" smtClean="0"/>
-              <a:t>15/11/2016</a:t>
+              <a:t>09/10/2017</a:t>
             </a:fld>
             <a:endParaRPr lang="en-GB"/>
           </a:p>
@@ -1781,7 +1786,7 @@
           <a:p>
             <a:fld id="{4B35C3FA-0131-431B-A414-405AEA1D2A71}" type="datetime1">
               <a:rPr lang="en-GB" smtClean="0"/>
-              <a:t>15/11/2016</a:t>
+              <a:t>09/10/2017</a:t>
             </a:fld>
             <a:endParaRPr lang="en-GB"/>
           </a:p>
@@ -2099,7 +2104,7 @@
           <a:p>
             <a:fld id="{49981D9B-F685-4349-A8A2-2CE7B878EB5A}" type="datetime1">
               <a:rPr lang="en-GB" smtClean="0"/>
-              <a:t>15/11/2016</a:t>
+              <a:t>09/10/2017</a:t>
             </a:fld>
             <a:endParaRPr lang="en-GB"/>
           </a:p>
@@ -2430,7 +2435,7 @@
           <a:p>
             <a:fld id="{3760A31A-2117-43EC-98BD-D093B4BEBF7D}" type="datetime1">
               <a:rPr lang="en-GB" smtClean="0"/>
-              <a:t>15/11/2016</a:t>
+              <a:t>09/10/2017</a:t>
             </a:fld>
             <a:endParaRPr lang="en-GB"/>
           </a:p>
@@ -2748,7 +2753,7 @@
           <a:p>
             <a:fld id="{C6E16212-41E4-4C8C-BA02-AE66F4F32210}" type="datetime1">
               <a:rPr lang="en-GB" smtClean="0"/>
-              <a:t>15/11/2016</a:t>
+              <a:t>09/10/2017</a:t>
             </a:fld>
             <a:endParaRPr lang="en-GB"/>
           </a:p>
@@ -3139,7 +3144,7 @@
           <a:p>
             <a:fld id="{0519352D-B0C8-4AC5-B195-10F5559BB262}" type="datetime1">
               <a:rPr lang="en-GB" smtClean="0"/>
-              <a:t>15/11/2016</a:t>
+              <a:t>09/10/2017</a:t>
             </a:fld>
             <a:endParaRPr lang="en-GB"/>
           </a:p>
@@ -3313,7 +3318,7 @@
           <a:p>
             <a:fld id="{05D599E2-E77F-4890-BE0A-B738A12350D6}" type="datetime1">
               <a:rPr lang="en-GB" smtClean="0"/>
-              <a:t>15/11/2016</a:t>
+              <a:t>09/10/2017</a:t>
             </a:fld>
             <a:endParaRPr lang="en-GB"/>
           </a:p>
@@ -3497,7 +3502,7 @@
           <a:p>
             <a:fld id="{DCD5088B-EE31-4F65-88C6-15B4DF01B231}" type="datetime1">
               <a:rPr lang="en-GB" smtClean="0"/>
-              <a:t>15/11/2016</a:t>
+              <a:t>09/10/2017</a:t>
             </a:fld>
             <a:endParaRPr lang="en-GB"/>
           </a:p>
@@ -3671,7 +3676,7 @@
           <a:p>
             <a:fld id="{1DB60045-9CB0-4227-8117-FFD6333F886B}" type="datetime1">
               <a:rPr lang="en-GB" smtClean="0"/>
-              <a:t>15/11/2016</a:t>
+              <a:t>09/10/2017</a:t>
             </a:fld>
             <a:endParaRPr lang="en-GB"/>
           </a:p>
@@ -3922,7 +3927,7 @@
           <a:p>
             <a:fld id="{D5CF92DE-63B8-42F8-A53F-ECC5223B8745}" type="datetime1">
               <a:rPr lang="en-GB" smtClean="0"/>
-              <a:t>15/11/2016</a:t>
+              <a:t>09/10/2017</a:t>
             </a:fld>
             <a:endParaRPr lang="en-GB"/>
           </a:p>
@@ -4158,7 +4163,7 @@
           <a:p>
             <a:fld id="{20250C1C-B33B-43A1-AE82-8E9E7DB20D73}" type="datetime1">
               <a:rPr lang="en-GB" smtClean="0"/>
-              <a:t>15/11/2016</a:t>
+              <a:t>09/10/2017</a:t>
             </a:fld>
             <a:endParaRPr lang="en-GB"/>
           </a:p>
@@ -4536,7 +4541,7 @@
           <a:p>
             <a:fld id="{58DE2235-6AA8-47F5-9D01-0948564962B0}" type="datetime1">
               <a:rPr lang="en-GB" smtClean="0"/>
-              <a:t>15/11/2016</a:t>
+              <a:t>09/10/2017</a:t>
             </a:fld>
             <a:endParaRPr lang="en-GB"/>
           </a:p>
@@ -4663,7 +4668,7 @@
           <a:p>
             <a:fld id="{C2B82BCC-7656-4FB8-8817-2D2523193143}" type="datetime1">
               <a:rPr lang="en-GB" smtClean="0"/>
-              <a:t>15/11/2016</a:t>
+              <a:t>09/10/2017</a:t>
             </a:fld>
             <a:endParaRPr lang="en-GB"/>
           </a:p>
@@ -4762,7 +4767,7 @@
           <a:p>
             <a:fld id="{E9B1E5CC-C158-4334-AC93-866E1D089CE6}" type="datetime1">
               <a:rPr lang="en-GB" smtClean="0"/>
-              <a:t>15/11/2016</a:t>
+              <a:t>09/10/2017</a:t>
             </a:fld>
             <a:endParaRPr lang="en-GB"/>
           </a:p>
@@ -5021,7 +5026,7 @@
           <a:p>
             <a:fld id="{1805CE10-4221-45AA-9C81-C847F07AE64E}" type="datetime1">
               <a:rPr lang="en-GB" smtClean="0"/>
-              <a:t>15/11/2016</a:t>
+              <a:t>09/10/2017</a:t>
             </a:fld>
             <a:endParaRPr lang="en-GB"/>
           </a:p>
@@ -5288,7 +5293,7 @@
           <a:p>
             <a:fld id="{9CE42FBE-B2C0-4C85-902B-8B67FAA3BF59}" type="datetime1">
               <a:rPr lang="en-GB" smtClean="0"/>
-              <a:t>15/11/2016</a:t>
+              <a:t>09/10/2017</a:t>
             </a:fld>
             <a:endParaRPr lang="en-GB"/>
           </a:p>
@@ -6037,7 +6042,7 @@
           <a:p>
             <a:fld id="{ED97A32C-9E02-42E1-B012-E07621DB64D9}" type="datetime1">
               <a:rPr lang="en-GB" smtClean="0"/>
-              <a:t>15/11/2016</a:t>
+              <a:t>09/10/2017</a:t>
             </a:fld>
             <a:endParaRPr lang="en-GB"/>
           </a:p>
@@ -18141,6 +18146,1122 @@
       </p:grpSpPr>
       <p:sp>
         <p:nvSpPr>
+          <p:cNvPr id="2" name="Title 1">
+            <a:extLst>
+              <a:ext uri="{FF2B5EF4-FFF2-40B4-BE49-F238E27FC236}">
+                <a16:creationId xmlns:a16="http://schemas.microsoft.com/office/drawing/2014/main" id="{7CE62926-9FDD-45E2-94E8-A21805EF71E5}"/>
+              </a:ext>
+            </a:extLst>
+          </p:cNvPr>
+          <p:cNvSpPr>
+            <a:spLocks noGrp="1"/>
+          </p:cNvSpPr>
+          <p:nvPr>
+            <p:ph type="title"/>
+          </p:nvPr>
+        </p:nvSpPr>
+        <p:spPr/>
+        <p:txBody>
+          <a:bodyPr/>
+          <a:lstStyle/>
+          <a:p>
+            <a:r>
+              <a:rPr lang="it-IT" dirty="0"/>
+              <a:t>Operations with big-oh </a:t>
+            </a:r>
+            <a:r>
+              <a:rPr lang="it-IT" dirty="0" err="1"/>
+              <a:t>notation</a:t>
+            </a:r>
+            <a:endParaRPr lang="it-IT" dirty="0"/>
+          </a:p>
+        </p:txBody>
+      </p:sp>
+      <mc:AlternateContent xmlns:mc="http://schemas.openxmlformats.org/markup-compatibility/2006">
+        <mc:Choice xmlns:a14="http://schemas.microsoft.com/office/drawing/2010/main" Requires="a14">
+          <p:sp>
+            <p:nvSpPr>
+              <p:cNvPr id="3" name="Content Placeholder 2">
+                <a:extLst>
+                  <a:ext uri="{FF2B5EF4-FFF2-40B4-BE49-F238E27FC236}">
+                    <a16:creationId xmlns:a16="http://schemas.microsoft.com/office/drawing/2014/main" id="{1136DB45-0012-4C0B-8DE3-01DDD366DE52}"/>
+                  </a:ext>
+                </a:extLst>
+              </p:cNvPr>
+              <p:cNvSpPr>
+                <a:spLocks noGrp="1"/>
+              </p:cNvSpPr>
+              <p:nvPr>
+                <p:ph idx="1"/>
+              </p:nvPr>
+            </p:nvSpPr>
+            <p:spPr>
+              <a:xfrm>
+                <a:off x="677334" y="2160589"/>
+                <a:ext cx="8596668" cy="4245898"/>
+              </a:xfrm>
+            </p:spPr>
+            <p:txBody>
+              <a:bodyPr>
+                <a:normAutofit fontScale="92500" lnSpcReduction="20000"/>
+              </a:bodyPr>
+              <a:lstStyle/>
+              <a:p>
+                <a14:m>
+                  <m:oMath xmlns:m="http://schemas.openxmlformats.org/officeDocument/2006/math">
+                    <m:r>
+                      <a:rPr lang="it-IT" b="0" i="1" smtClean="0">
+                        <a:latin typeface="Cambria Math" panose="02040503050406030204" pitchFamily="18" charset="0"/>
+                      </a:rPr>
+                      <m:t>𝑂</m:t>
+                    </m:r>
+                    <m:d>
+                      <m:dPr>
+                        <m:ctrlPr>
+                          <a:rPr lang="it-IT" b="0" i="1" smtClean="0">
+                            <a:latin typeface="Cambria Math" panose="02040503050406030204" pitchFamily="18" charset="0"/>
+                          </a:rPr>
+                        </m:ctrlPr>
+                      </m:dPr>
+                      <m:e>
+                        <m:r>
+                          <a:rPr lang="it-IT" b="0" i="1" smtClean="0">
+                            <a:latin typeface="Cambria Math" panose="02040503050406030204" pitchFamily="18" charset="0"/>
+                          </a:rPr>
+                          <m:t>𝑐</m:t>
+                        </m:r>
+                      </m:e>
+                    </m:d>
+                    <m:r>
+                      <a:rPr lang="it-IT" b="0" i="1" smtClean="0">
+                        <a:latin typeface="Cambria Math" panose="02040503050406030204" pitchFamily="18" charset="0"/>
+                      </a:rPr>
+                      <m:t>=</m:t>
+                    </m:r>
+                    <m:r>
+                      <a:rPr lang="it-IT" b="0" i="1" smtClean="0">
+                        <a:latin typeface="Cambria Math" panose="02040503050406030204" pitchFamily="18" charset="0"/>
+                      </a:rPr>
+                      <m:t>𝑂</m:t>
+                    </m:r>
+                    <m:d>
+                      <m:dPr>
+                        <m:ctrlPr>
+                          <a:rPr lang="it-IT" b="0" i="1" smtClean="0">
+                            <a:latin typeface="Cambria Math" panose="02040503050406030204" pitchFamily="18" charset="0"/>
+                          </a:rPr>
+                        </m:ctrlPr>
+                      </m:dPr>
+                      <m:e>
+                        <m:r>
+                          <a:rPr lang="it-IT" b="0" i="1" smtClean="0">
+                            <a:latin typeface="Cambria Math" panose="02040503050406030204" pitchFamily="18" charset="0"/>
+                          </a:rPr>
+                          <m:t>1</m:t>
+                        </m:r>
+                      </m:e>
+                    </m:d>
+                    <m:r>
+                      <a:rPr lang="it-IT" b="0" i="1" smtClean="0">
+                        <a:latin typeface="Cambria Math" panose="02040503050406030204" pitchFamily="18" charset="0"/>
+                      </a:rPr>
+                      <m:t> ∀</m:t>
+                    </m:r>
+                    <m:r>
+                      <a:rPr lang="it-IT" b="0" i="1" smtClean="0">
+                        <a:latin typeface="Cambria Math" panose="02040503050406030204" pitchFamily="18" charset="0"/>
+                      </a:rPr>
+                      <m:t>𝑐</m:t>
+                    </m:r>
+                  </m:oMath>
+                </a14:m>
+                <a:r>
+                  <a:rPr lang="it-IT" dirty="0"/>
+                  <a:t> constant</a:t>
+                </a:r>
+              </a:p>
+              <a:p>
+                <a:endParaRPr lang="it-IT" dirty="0"/>
+              </a:p>
+              <a:p>
+                <a14:m>
+                  <m:oMath xmlns:m="http://schemas.openxmlformats.org/officeDocument/2006/math">
+                    <m:r>
+                      <a:rPr lang="it-IT" b="0" i="1" smtClean="0">
+                        <a:latin typeface="Cambria Math" panose="02040503050406030204" pitchFamily="18" charset="0"/>
+                      </a:rPr>
+                      <m:t>𝑐</m:t>
+                    </m:r>
+                    <m:r>
+                      <a:rPr lang="it-IT" b="0" i="1" smtClean="0">
+                        <a:latin typeface="Cambria Math" panose="02040503050406030204" pitchFamily="18" charset="0"/>
+                      </a:rPr>
+                      <m:t>×</m:t>
+                    </m:r>
+                    <m:r>
+                      <a:rPr lang="it-IT" b="0" i="1" smtClean="0">
+                        <a:latin typeface="Cambria Math" panose="02040503050406030204" pitchFamily="18" charset="0"/>
+                      </a:rPr>
+                      <m:t>𝑂</m:t>
+                    </m:r>
+                    <m:d>
+                      <m:dPr>
+                        <m:ctrlPr>
+                          <a:rPr lang="it-IT" b="0" i="1" smtClean="0">
+                            <a:latin typeface="Cambria Math" panose="02040503050406030204" pitchFamily="18" charset="0"/>
+                          </a:rPr>
+                        </m:ctrlPr>
+                      </m:dPr>
+                      <m:e>
+                        <m:r>
+                          <a:rPr lang="it-IT" b="0" i="1" smtClean="0">
+                            <a:latin typeface="Cambria Math" panose="02040503050406030204" pitchFamily="18" charset="0"/>
+                          </a:rPr>
+                          <m:t>𝑓</m:t>
+                        </m:r>
+                        <m:d>
+                          <m:dPr>
+                            <m:ctrlPr>
+                              <a:rPr lang="it-IT" b="0" i="1" smtClean="0">
+                                <a:latin typeface="Cambria Math" panose="02040503050406030204" pitchFamily="18" charset="0"/>
+                              </a:rPr>
+                            </m:ctrlPr>
+                          </m:dPr>
+                          <m:e>
+                            <m:r>
+                              <a:rPr lang="it-IT" b="0" i="1" smtClean="0">
+                                <a:latin typeface="Cambria Math" panose="02040503050406030204" pitchFamily="18" charset="0"/>
+                              </a:rPr>
+                              <m:t>𝑛</m:t>
+                            </m:r>
+                          </m:e>
+                        </m:d>
+                      </m:e>
+                    </m:d>
+                    <m:r>
+                      <a:rPr lang="it-IT" b="0" i="1" smtClean="0">
+                        <a:latin typeface="Cambria Math" panose="02040503050406030204" pitchFamily="18" charset="0"/>
+                      </a:rPr>
+                      <m:t>=</m:t>
+                    </m:r>
+                    <m:r>
+                      <a:rPr lang="it-IT" b="0" i="1" smtClean="0">
+                        <a:latin typeface="Cambria Math" panose="02040503050406030204" pitchFamily="18" charset="0"/>
+                      </a:rPr>
+                      <m:t>𝑂</m:t>
+                    </m:r>
+                    <m:d>
+                      <m:dPr>
+                        <m:ctrlPr>
+                          <a:rPr lang="it-IT" b="0" i="1" smtClean="0">
+                            <a:latin typeface="Cambria Math" panose="02040503050406030204" pitchFamily="18" charset="0"/>
+                          </a:rPr>
+                        </m:ctrlPr>
+                      </m:dPr>
+                      <m:e>
+                        <m:r>
+                          <a:rPr lang="it-IT" b="0" i="1" smtClean="0">
+                            <a:latin typeface="Cambria Math" panose="02040503050406030204" pitchFamily="18" charset="0"/>
+                          </a:rPr>
+                          <m:t>𝑐</m:t>
+                        </m:r>
+                        <m:r>
+                          <a:rPr lang="it-IT" b="0" i="1" smtClean="0">
+                            <a:latin typeface="Cambria Math" panose="02040503050406030204" pitchFamily="18" charset="0"/>
+                          </a:rPr>
+                          <m:t>×</m:t>
+                        </m:r>
+                        <m:r>
+                          <a:rPr lang="it-IT" b="0" i="1" smtClean="0">
+                            <a:latin typeface="Cambria Math" panose="02040503050406030204" pitchFamily="18" charset="0"/>
+                          </a:rPr>
+                          <m:t>𝑓</m:t>
+                        </m:r>
+                        <m:d>
+                          <m:dPr>
+                            <m:ctrlPr>
+                              <a:rPr lang="it-IT" b="0" i="1" smtClean="0">
+                                <a:latin typeface="Cambria Math" panose="02040503050406030204" pitchFamily="18" charset="0"/>
+                              </a:rPr>
+                            </m:ctrlPr>
+                          </m:dPr>
+                          <m:e>
+                            <m:r>
+                              <a:rPr lang="it-IT" b="0" i="1" smtClean="0">
+                                <a:latin typeface="Cambria Math" panose="02040503050406030204" pitchFamily="18" charset="0"/>
+                              </a:rPr>
+                              <m:t>𝑛</m:t>
+                            </m:r>
+                          </m:e>
+                        </m:d>
+                      </m:e>
+                    </m:d>
+                    <m:r>
+                      <a:rPr lang="it-IT" b="0" i="1" smtClean="0">
+                        <a:latin typeface="Cambria Math" panose="02040503050406030204" pitchFamily="18" charset="0"/>
+                      </a:rPr>
+                      <m:t>=</m:t>
+                    </m:r>
+                    <m:r>
+                      <a:rPr lang="it-IT" b="0" i="1" smtClean="0">
+                        <a:latin typeface="Cambria Math" panose="02040503050406030204" pitchFamily="18" charset="0"/>
+                      </a:rPr>
+                      <m:t>𝑂</m:t>
+                    </m:r>
+                    <m:d>
+                      <m:dPr>
+                        <m:ctrlPr>
+                          <a:rPr lang="it-IT" b="0" i="1" smtClean="0">
+                            <a:latin typeface="Cambria Math" panose="02040503050406030204" pitchFamily="18" charset="0"/>
+                          </a:rPr>
+                        </m:ctrlPr>
+                      </m:dPr>
+                      <m:e>
+                        <m:r>
+                          <a:rPr lang="it-IT" b="0" i="1" smtClean="0">
+                            <a:latin typeface="Cambria Math" panose="02040503050406030204" pitchFamily="18" charset="0"/>
+                          </a:rPr>
+                          <m:t>𝑓</m:t>
+                        </m:r>
+                        <m:d>
+                          <m:dPr>
+                            <m:ctrlPr>
+                              <a:rPr lang="it-IT" b="0" i="1" smtClean="0">
+                                <a:latin typeface="Cambria Math" panose="02040503050406030204" pitchFamily="18" charset="0"/>
+                              </a:rPr>
+                            </m:ctrlPr>
+                          </m:dPr>
+                          <m:e>
+                            <m:r>
+                              <a:rPr lang="it-IT" b="0" i="1" smtClean="0">
+                                <a:latin typeface="Cambria Math" panose="02040503050406030204" pitchFamily="18" charset="0"/>
+                              </a:rPr>
+                              <m:t>𝑛</m:t>
+                            </m:r>
+                          </m:e>
+                        </m:d>
+                      </m:e>
+                    </m:d>
+                    <m:r>
+                      <a:rPr lang="it-IT" b="0" i="1" smtClean="0">
+                        <a:latin typeface="Cambria Math" panose="02040503050406030204" pitchFamily="18" charset="0"/>
+                      </a:rPr>
+                      <m:t> ∀</m:t>
+                    </m:r>
+                    <m:r>
+                      <a:rPr lang="it-IT" b="0" i="1" smtClean="0">
+                        <a:latin typeface="Cambria Math" panose="02040503050406030204" pitchFamily="18" charset="0"/>
+                      </a:rPr>
+                      <m:t>𝑐</m:t>
+                    </m:r>
+                  </m:oMath>
+                </a14:m>
+                <a:r>
+                  <a:rPr lang="it-IT" b="0" dirty="0"/>
+                  <a:t> constant</a:t>
+                </a:r>
+              </a:p>
+              <a:p>
+                <a:endParaRPr lang="it-IT" b="0" dirty="0"/>
+              </a:p>
+              <a:p>
+                <a14:m>
+                  <m:oMath xmlns:m="http://schemas.openxmlformats.org/officeDocument/2006/math">
+                    <m:r>
+                      <a:rPr lang="it-IT" b="0" i="1" smtClean="0">
+                        <a:latin typeface="Cambria Math" panose="02040503050406030204" pitchFamily="18" charset="0"/>
+                      </a:rPr>
+                      <m:t>𝑂</m:t>
+                    </m:r>
+                    <m:d>
+                      <m:dPr>
+                        <m:ctrlPr>
+                          <a:rPr lang="it-IT" b="0" i="1" smtClean="0">
+                            <a:latin typeface="Cambria Math" panose="02040503050406030204" pitchFamily="18" charset="0"/>
+                          </a:rPr>
+                        </m:ctrlPr>
+                      </m:dPr>
+                      <m:e>
+                        <m:r>
+                          <a:rPr lang="it-IT" b="0" i="1" smtClean="0">
+                            <a:latin typeface="Cambria Math" panose="02040503050406030204" pitchFamily="18" charset="0"/>
+                          </a:rPr>
+                          <m:t>𝑓</m:t>
+                        </m:r>
+                        <m:d>
+                          <m:dPr>
+                            <m:ctrlPr>
+                              <a:rPr lang="it-IT" b="0" i="1" smtClean="0">
+                                <a:latin typeface="Cambria Math" panose="02040503050406030204" pitchFamily="18" charset="0"/>
+                              </a:rPr>
+                            </m:ctrlPr>
+                          </m:dPr>
+                          <m:e>
+                            <m:r>
+                              <a:rPr lang="it-IT" b="0" i="1" smtClean="0">
+                                <a:latin typeface="Cambria Math" panose="02040503050406030204" pitchFamily="18" charset="0"/>
+                              </a:rPr>
+                              <m:t>𝑛</m:t>
+                            </m:r>
+                          </m:e>
+                        </m:d>
+                      </m:e>
+                    </m:d>
+                    <m:r>
+                      <a:rPr lang="it-IT" b="0" i="1" smtClean="0">
+                        <a:latin typeface="Cambria Math" panose="02040503050406030204" pitchFamily="18" charset="0"/>
+                      </a:rPr>
+                      <m:t>+</m:t>
+                    </m:r>
+                    <m:r>
+                      <a:rPr lang="it-IT" b="0" i="1" smtClean="0">
+                        <a:latin typeface="Cambria Math" panose="02040503050406030204" pitchFamily="18" charset="0"/>
+                      </a:rPr>
+                      <m:t>𝑂</m:t>
+                    </m:r>
+                    <m:d>
+                      <m:dPr>
+                        <m:ctrlPr>
+                          <a:rPr lang="it-IT" b="0" i="1" smtClean="0">
+                            <a:latin typeface="Cambria Math" panose="02040503050406030204" pitchFamily="18" charset="0"/>
+                          </a:rPr>
+                        </m:ctrlPr>
+                      </m:dPr>
+                      <m:e>
+                        <m:r>
+                          <a:rPr lang="it-IT" b="0" i="1" smtClean="0">
+                            <a:latin typeface="Cambria Math" panose="02040503050406030204" pitchFamily="18" charset="0"/>
+                          </a:rPr>
+                          <m:t>𝑔</m:t>
+                        </m:r>
+                        <m:d>
+                          <m:dPr>
+                            <m:ctrlPr>
+                              <a:rPr lang="it-IT" b="0" i="1" smtClean="0">
+                                <a:latin typeface="Cambria Math" panose="02040503050406030204" pitchFamily="18" charset="0"/>
+                              </a:rPr>
+                            </m:ctrlPr>
+                          </m:dPr>
+                          <m:e>
+                            <m:r>
+                              <a:rPr lang="it-IT" b="0" i="1" smtClean="0">
+                                <a:latin typeface="Cambria Math" panose="02040503050406030204" pitchFamily="18" charset="0"/>
+                              </a:rPr>
+                              <m:t>𝑛</m:t>
+                            </m:r>
+                          </m:e>
+                        </m:d>
+                      </m:e>
+                    </m:d>
+                    <m:r>
+                      <a:rPr lang="it-IT" b="0" i="1" smtClean="0">
+                        <a:latin typeface="Cambria Math" panose="02040503050406030204" pitchFamily="18" charset="0"/>
+                      </a:rPr>
+                      <m:t>=</m:t>
+                    </m:r>
+                    <m:r>
+                      <a:rPr lang="it-IT" b="0" i="1" smtClean="0">
+                        <a:latin typeface="Cambria Math" panose="02040503050406030204" pitchFamily="18" charset="0"/>
+                      </a:rPr>
+                      <m:t>𝑂</m:t>
+                    </m:r>
+                    <m:d>
+                      <m:dPr>
+                        <m:ctrlPr>
+                          <a:rPr lang="it-IT" b="0" i="1" smtClean="0">
+                            <a:latin typeface="Cambria Math" panose="02040503050406030204" pitchFamily="18" charset="0"/>
+                          </a:rPr>
+                        </m:ctrlPr>
+                      </m:dPr>
+                      <m:e>
+                        <m:r>
+                          <a:rPr lang="it-IT" b="0" i="1" smtClean="0">
+                            <a:latin typeface="Cambria Math" panose="02040503050406030204" pitchFamily="18" charset="0"/>
+                          </a:rPr>
+                          <m:t>𝑓</m:t>
+                        </m:r>
+                        <m:d>
+                          <m:dPr>
+                            <m:ctrlPr>
+                              <a:rPr lang="it-IT" b="0" i="1" smtClean="0">
+                                <a:latin typeface="Cambria Math" panose="02040503050406030204" pitchFamily="18" charset="0"/>
+                              </a:rPr>
+                            </m:ctrlPr>
+                          </m:dPr>
+                          <m:e>
+                            <m:r>
+                              <a:rPr lang="it-IT" b="0" i="1" smtClean="0">
+                                <a:latin typeface="Cambria Math" panose="02040503050406030204" pitchFamily="18" charset="0"/>
+                              </a:rPr>
+                              <m:t>𝑛</m:t>
+                            </m:r>
+                          </m:e>
+                        </m:d>
+                        <m:r>
+                          <a:rPr lang="it-IT" b="0" i="1" smtClean="0">
+                            <a:latin typeface="Cambria Math" panose="02040503050406030204" pitchFamily="18" charset="0"/>
+                          </a:rPr>
+                          <m:t> +</m:t>
+                        </m:r>
+                        <m:r>
+                          <a:rPr lang="it-IT" b="0" i="1" smtClean="0">
+                            <a:latin typeface="Cambria Math" panose="02040503050406030204" pitchFamily="18" charset="0"/>
+                          </a:rPr>
+                          <m:t>𝑔</m:t>
+                        </m:r>
+                        <m:d>
+                          <m:dPr>
+                            <m:ctrlPr>
+                              <a:rPr lang="it-IT" b="0" i="1" smtClean="0">
+                                <a:latin typeface="Cambria Math" panose="02040503050406030204" pitchFamily="18" charset="0"/>
+                              </a:rPr>
+                            </m:ctrlPr>
+                          </m:dPr>
+                          <m:e>
+                            <m:r>
+                              <a:rPr lang="it-IT" b="0" i="1" smtClean="0">
+                                <a:latin typeface="Cambria Math" panose="02040503050406030204" pitchFamily="18" charset="0"/>
+                              </a:rPr>
+                              <m:t>𝑛</m:t>
+                            </m:r>
+                          </m:e>
+                        </m:d>
+                      </m:e>
+                    </m:d>
+                  </m:oMath>
+                </a14:m>
+                <a:endParaRPr lang="it-IT" b="0" dirty="0"/>
+              </a:p>
+              <a:p>
+                <a:pPr lvl="1"/>
+                <a:r>
+                  <a:rPr lang="it-IT" dirty="0" err="1"/>
+                  <a:t>What</a:t>
+                </a:r>
+                <a:r>
+                  <a:rPr lang="it-IT" dirty="0"/>
+                  <a:t> </a:t>
+                </a:r>
+                <a:r>
+                  <a:rPr lang="it-IT" dirty="0" err="1"/>
+                  <a:t>happens</a:t>
+                </a:r>
+                <a:r>
+                  <a:rPr lang="it-IT" dirty="0"/>
+                  <a:t> with </a:t>
+                </a:r>
+                <a14:m>
+                  <m:oMath xmlns:m="http://schemas.openxmlformats.org/officeDocument/2006/math">
+                    <m:r>
+                      <a:rPr lang="it-IT" b="0" i="1" smtClean="0">
+                        <a:latin typeface="Cambria Math" panose="02040503050406030204" pitchFamily="18" charset="0"/>
+                      </a:rPr>
+                      <m:t>𝑂</m:t>
+                    </m:r>
+                    <m:d>
+                      <m:dPr>
+                        <m:ctrlPr>
+                          <a:rPr lang="it-IT" b="0" i="1" smtClean="0">
+                            <a:latin typeface="Cambria Math" panose="02040503050406030204" pitchFamily="18" charset="0"/>
+                          </a:rPr>
+                        </m:ctrlPr>
+                      </m:dPr>
+                      <m:e>
+                        <m:r>
+                          <a:rPr lang="it-IT" b="0" i="1" smtClean="0">
+                            <a:latin typeface="Cambria Math" panose="02040503050406030204" pitchFamily="18" charset="0"/>
+                          </a:rPr>
+                          <m:t>𝑛</m:t>
+                        </m:r>
+                      </m:e>
+                    </m:d>
+                    <m:r>
+                      <a:rPr lang="it-IT" b="0" i="1" smtClean="0">
+                        <a:latin typeface="Cambria Math" panose="02040503050406030204" pitchFamily="18" charset="0"/>
+                      </a:rPr>
+                      <m:t>+</m:t>
+                    </m:r>
+                    <m:r>
+                      <a:rPr lang="it-IT" b="0" i="1" smtClean="0">
+                        <a:latin typeface="Cambria Math" panose="02040503050406030204" pitchFamily="18" charset="0"/>
+                      </a:rPr>
+                      <m:t>𝑂</m:t>
+                    </m:r>
+                    <m:d>
+                      <m:dPr>
+                        <m:ctrlPr>
+                          <a:rPr lang="it-IT" b="0" i="1" smtClean="0">
+                            <a:latin typeface="Cambria Math" panose="02040503050406030204" pitchFamily="18" charset="0"/>
+                          </a:rPr>
+                        </m:ctrlPr>
+                      </m:dPr>
+                      <m:e>
+                        <m:r>
+                          <a:rPr lang="it-IT" b="0" i="1" smtClean="0">
+                            <a:latin typeface="Cambria Math" panose="02040503050406030204" pitchFamily="18" charset="0"/>
+                          </a:rPr>
+                          <m:t>𝑛</m:t>
+                        </m:r>
+                      </m:e>
+                    </m:d>
+                  </m:oMath>
+                </a14:m>
+                <a:r>
+                  <a:rPr lang="it-IT" b="0" dirty="0"/>
+                  <a:t>?</a:t>
+                </a:r>
+              </a:p>
+              <a:p>
+                <a:pPr lvl="1"/>
+                <a:endParaRPr lang="it-IT" b="0" dirty="0"/>
+              </a:p>
+              <a:p>
+                <a14:m>
+                  <m:oMath xmlns:m="http://schemas.openxmlformats.org/officeDocument/2006/math">
+                    <m:r>
+                      <a:rPr lang="it-IT" b="0" i="1" smtClean="0">
+                        <a:latin typeface="Cambria Math" panose="02040503050406030204" pitchFamily="18" charset="0"/>
+                      </a:rPr>
+                      <m:t>𝑂</m:t>
+                    </m:r>
+                    <m:d>
+                      <m:dPr>
+                        <m:ctrlPr>
+                          <a:rPr lang="it-IT" b="0" i="1" smtClean="0">
+                            <a:latin typeface="Cambria Math" panose="02040503050406030204" pitchFamily="18" charset="0"/>
+                          </a:rPr>
+                        </m:ctrlPr>
+                      </m:dPr>
+                      <m:e>
+                        <m:r>
+                          <a:rPr lang="it-IT" b="0" i="1" smtClean="0">
+                            <a:latin typeface="Cambria Math" panose="02040503050406030204" pitchFamily="18" charset="0"/>
+                          </a:rPr>
+                          <m:t>𝑓</m:t>
+                        </m:r>
+                        <m:d>
+                          <m:dPr>
+                            <m:ctrlPr>
+                              <a:rPr lang="it-IT" b="0" i="1" smtClean="0">
+                                <a:latin typeface="Cambria Math" panose="02040503050406030204" pitchFamily="18" charset="0"/>
+                              </a:rPr>
+                            </m:ctrlPr>
+                          </m:dPr>
+                          <m:e>
+                            <m:r>
+                              <a:rPr lang="it-IT" b="0" i="1" smtClean="0">
+                                <a:latin typeface="Cambria Math" panose="02040503050406030204" pitchFamily="18" charset="0"/>
+                              </a:rPr>
+                              <m:t>𝑛</m:t>
+                            </m:r>
+                          </m:e>
+                        </m:d>
+                      </m:e>
+                    </m:d>
+                    <m:r>
+                      <a:rPr lang="it-IT" b="0" i="1" smtClean="0">
+                        <a:latin typeface="Cambria Math" panose="02040503050406030204" pitchFamily="18" charset="0"/>
+                      </a:rPr>
+                      <m:t>×</m:t>
+                    </m:r>
+                    <m:r>
+                      <a:rPr lang="it-IT" b="0" i="1" smtClean="0">
+                        <a:latin typeface="Cambria Math" panose="02040503050406030204" pitchFamily="18" charset="0"/>
+                      </a:rPr>
+                      <m:t>𝑂</m:t>
+                    </m:r>
+                    <m:d>
+                      <m:dPr>
+                        <m:ctrlPr>
+                          <a:rPr lang="it-IT" b="0" i="1" smtClean="0">
+                            <a:latin typeface="Cambria Math" panose="02040503050406030204" pitchFamily="18" charset="0"/>
+                          </a:rPr>
+                        </m:ctrlPr>
+                      </m:dPr>
+                      <m:e>
+                        <m:r>
+                          <a:rPr lang="it-IT" b="0" i="1" smtClean="0">
+                            <a:latin typeface="Cambria Math" panose="02040503050406030204" pitchFamily="18" charset="0"/>
+                          </a:rPr>
+                          <m:t>𝑔</m:t>
+                        </m:r>
+                        <m:d>
+                          <m:dPr>
+                            <m:ctrlPr>
+                              <a:rPr lang="it-IT" b="0" i="1" smtClean="0">
+                                <a:latin typeface="Cambria Math" panose="02040503050406030204" pitchFamily="18" charset="0"/>
+                              </a:rPr>
+                            </m:ctrlPr>
+                          </m:dPr>
+                          <m:e>
+                            <m:r>
+                              <a:rPr lang="it-IT" b="0" i="1" smtClean="0">
+                                <a:latin typeface="Cambria Math" panose="02040503050406030204" pitchFamily="18" charset="0"/>
+                              </a:rPr>
+                              <m:t>𝑛</m:t>
+                            </m:r>
+                          </m:e>
+                        </m:d>
+                      </m:e>
+                    </m:d>
+                    <m:r>
+                      <a:rPr lang="it-IT" b="0" i="1" smtClean="0">
+                        <a:latin typeface="Cambria Math" panose="02040503050406030204" pitchFamily="18" charset="0"/>
+                      </a:rPr>
+                      <m:t>=</m:t>
+                    </m:r>
+                    <m:r>
+                      <a:rPr lang="it-IT" b="0" i="1" smtClean="0">
+                        <a:latin typeface="Cambria Math" panose="02040503050406030204" pitchFamily="18" charset="0"/>
+                      </a:rPr>
+                      <m:t>𝑂</m:t>
+                    </m:r>
+                    <m:d>
+                      <m:dPr>
+                        <m:ctrlPr>
+                          <a:rPr lang="it-IT" b="0" i="1" smtClean="0">
+                            <a:latin typeface="Cambria Math" panose="02040503050406030204" pitchFamily="18" charset="0"/>
+                          </a:rPr>
+                        </m:ctrlPr>
+                      </m:dPr>
+                      <m:e>
+                        <m:r>
+                          <a:rPr lang="it-IT" b="0" i="1" smtClean="0">
+                            <a:latin typeface="Cambria Math" panose="02040503050406030204" pitchFamily="18" charset="0"/>
+                          </a:rPr>
+                          <m:t>𝑓</m:t>
+                        </m:r>
+                        <m:d>
+                          <m:dPr>
+                            <m:ctrlPr>
+                              <a:rPr lang="it-IT" b="0" i="1" smtClean="0">
+                                <a:latin typeface="Cambria Math" panose="02040503050406030204" pitchFamily="18" charset="0"/>
+                              </a:rPr>
+                            </m:ctrlPr>
+                          </m:dPr>
+                          <m:e>
+                            <m:r>
+                              <a:rPr lang="it-IT" b="0" i="1" smtClean="0">
+                                <a:latin typeface="Cambria Math" panose="02040503050406030204" pitchFamily="18" charset="0"/>
+                              </a:rPr>
+                              <m:t>𝑛</m:t>
+                            </m:r>
+                          </m:e>
+                        </m:d>
+                        <m:r>
+                          <a:rPr lang="it-IT" b="0" i="1" smtClean="0">
+                            <a:latin typeface="Cambria Math" panose="02040503050406030204" pitchFamily="18" charset="0"/>
+                          </a:rPr>
+                          <m:t>×</m:t>
+                        </m:r>
+                        <m:r>
+                          <a:rPr lang="it-IT" b="0" i="1" smtClean="0">
+                            <a:latin typeface="Cambria Math" panose="02040503050406030204" pitchFamily="18" charset="0"/>
+                          </a:rPr>
+                          <m:t>𝑔</m:t>
+                        </m:r>
+                        <m:d>
+                          <m:dPr>
+                            <m:ctrlPr>
+                              <a:rPr lang="it-IT" b="0" i="1" smtClean="0">
+                                <a:latin typeface="Cambria Math" panose="02040503050406030204" pitchFamily="18" charset="0"/>
+                              </a:rPr>
+                            </m:ctrlPr>
+                          </m:dPr>
+                          <m:e>
+                            <m:r>
+                              <a:rPr lang="it-IT" b="0" i="1" smtClean="0">
+                                <a:latin typeface="Cambria Math" panose="02040503050406030204" pitchFamily="18" charset="0"/>
+                              </a:rPr>
+                              <m:t>𝑛</m:t>
+                            </m:r>
+                          </m:e>
+                        </m:d>
+                      </m:e>
+                    </m:d>
+                  </m:oMath>
+                </a14:m>
+                <a:endParaRPr lang="it-IT" b="0" dirty="0"/>
+              </a:p>
+              <a:p>
+                <a:pPr lvl="1"/>
+                <a:r>
+                  <a:rPr lang="it-IT" b="0" dirty="0" err="1"/>
+                  <a:t>What</a:t>
+                </a:r>
+                <a:r>
+                  <a:rPr lang="it-IT" b="0" dirty="0"/>
+                  <a:t> </a:t>
+                </a:r>
+                <a:r>
+                  <a:rPr lang="it-IT" b="0" dirty="0" err="1"/>
+                  <a:t>happens</a:t>
+                </a:r>
+                <a:r>
+                  <a:rPr lang="it-IT" b="0" dirty="0"/>
+                  <a:t> with </a:t>
+                </a:r>
+                <a14:m>
+                  <m:oMath xmlns:m="http://schemas.openxmlformats.org/officeDocument/2006/math">
+                    <m:r>
+                      <a:rPr lang="it-IT" b="0" i="1" smtClean="0">
+                        <a:latin typeface="Cambria Math" panose="02040503050406030204" pitchFamily="18" charset="0"/>
+                      </a:rPr>
+                      <m:t>𝑂</m:t>
+                    </m:r>
+                    <m:d>
+                      <m:dPr>
+                        <m:ctrlPr>
+                          <a:rPr lang="it-IT" b="0" i="1" smtClean="0">
+                            <a:latin typeface="Cambria Math" panose="02040503050406030204" pitchFamily="18" charset="0"/>
+                          </a:rPr>
+                        </m:ctrlPr>
+                      </m:dPr>
+                      <m:e>
+                        <m:r>
+                          <a:rPr lang="it-IT" b="0" i="1" smtClean="0">
+                            <a:latin typeface="Cambria Math" panose="02040503050406030204" pitchFamily="18" charset="0"/>
+                          </a:rPr>
+                          <m:t>𝑛</m:t>
+                        </m:r>
+                      </m:e>
+                    </m:d>
+                    <m:r>
+                      <a:rPr lang="it-IT" b="0" i="1" smtClean="0">
+                        <a:latin typeface="Cambria Math" panose="02040503050406030204" pitchFamily="18" charset="0"/>
+                      </a:rPr>
+                      <m:t>×</m:t>
+                    </m:r>
+                    <m:r>
+                      <a:rPr lang="it-IT" b="0" i="1" smtClean="0">
+                        <a:latin typeface="Cambria Math" panose="02040503050406030204" pitchFamily="18" charset="0"/>
+                      </a:rPr>
+                      <m:t>𝑂</m:t>
+                    </m:r>
+                    <m:r>
+                      <a:rPr lang="it-IT" b="0" i="1" smtClean="0">
+                        <a:latin typeface="Cambria Math" panose="02040503050406030204" pitchFamily="18" charset="0"/>
+                      </a:rPr>
+                      <m:t>(</m:t>
+                    </m:r>
+                    <m:r>
+                      <a:rPr lang="it-IT" b="0" i="1" smtClean="0">
+                        <a:latin typeface="Cambria Math" panose="02040503050406030204" pitchFamily="18" charset="0"/>
+                      </a:rPr>
+                      <m:t>𝑛</m:t>
+                    </m:r>
+                    <m:r>
+                      <a:rPr lang="it-IT" b="0" i="1" smtClean="0">
+                        <a:latin typeface="Cambria Math" panose="02040503050406030204" pitchFamily="18" charset="0"/>
+                      </a:rPr>
+                      <m:t>)</m:t>
+                    </m:r>
+                  </m:oMath>
+                </a14:m>
+                <a:r>
+                  <a:rPr lang="it-IT" b="0" dirty="0"/>
+                  <a:t>?</a:t>
+                </a:r>
+              </a:p>
+              <a:p>
+                <a:pPr lvl="1"/>
+                <a:endParaRPr lang="it-IT" dirty="0"/>
+              </a:p>
+              <a:p>
+                <a14:m>
+                  <m:oMath xmlns:m="http://schemas.openxmlformats.org/officeDocument/2006/math">
+                    <m:r>
+                      <a:rPr lang="it-IT" b="0" i="1" smtClean="0">
+                        <a:latin typeface="Cambria Math" panose="02040503050406030204" pitchFamily="18" charset="0"/>
+                      </a:rPr>
+                      <m:t>𝑂</m:t>
+                    </m:r>
+                    <m:d>
+                      <m:dPr>
+                        <m:ctrlPr>
+                          <a:rPr lang="it-IT" b="0" i="1" smtClean="0">
+                            <a:latin typeface="Cambria Math" panose="02040503050406030204" pitchFamily="18" charset="0"/>
+                          </a:rPr>
+                        </m:ctrlPr>
+                      </m:dPr>
+                      <m:e>
+                        <m:sSup>
+                          <m:sSupPr>
+                            <m:ctrlPr>
+                              <a:rPr lang="it-IT" b="0" i="1" smtClean="0">
+                                <a:latin typeface="Cambria Math" panose="02040503050406030204" pitchFamily="18" charset="0"/>
+                              </a:rPr>
+                            </m:ctrlPr>
+                          </m:sSupPr>
+                          <m:e>
+                            <m:r>
+                              <a:rPr lang="it-IT" b="0" i="1" smtClean="0">
+                                <a:latin typeface="Cambria Math" panose="02040503050406030204" pitchFamily="18" charset="0"/>
+                              </a:rPr>
+                              <m:t>𝑛</m:t>
+                            </m:r>
+                          </m:e>
+                          <m:sup>
+                            <m:r>
+                              <a:rPr lang="it-IT" b="0" i="1" smtClean="0">
+                                <a:latin typeface="Cambria Math" panose="02040503050406030204" pitchFamily="18" charset="0"/>
+                              </a:rPr>
+                              <m:t>𝑘</m:t>
+                            </m:r>
+                          </m:sup>
+                        </m:sSup>
+                        <m:r>
+                          <a:rPr lang="it-IT" b="0" i="1" smtClean="0">
+                            <a:latin typeface="Cambria Math" panose="02040503050406030204" pitchFamily="18" charset="0"/>
+                          </a:rPr>
+                          <m:t>+</m:t>
+                        </m:r>
+                        <m:sSup>
+                          <m:sSupPr>
+                            <m:ctrlPr>
+                              <a:rPr lang="it-IT" b="0" i="1" smtClean="0">
+                                <a:latin typeface="Cambria Math" panose="02040503050406030204" pitchFamily="18" charset="0"/>
+                              </a:rPr>
+                            </m:ctrlPr>
+                          </m:sSupPr>
+                          <m:e>
+                            <m:r>
+                              <a:rPr lang="it-IT" b="0" i="1" smtClean="0">
+                                <a:latin typeface="Cambria Math" panose="02040503050406030204" pitchFamily="18" charset="0"/>
+                              </a:rPr>
+                              <m:t>𝑛</m:t>
+                            </m:r>
+                          </m:e>
+                          <m:sup>
+                            <m:r>
+                              <a:rPr lang="it-IT" b="0" i="1" smtClean="0">
+                                <a:latin typeface="Cambria Math" panose="02040503050406030204" pitchFamily="18" charset="0"/>
+                              </a:rPr>
+                              <m:t>𝑘</m:t>
+                            </m:r>
+                            <m:r>
+                              <a:rPr lang="it-IT" b="0" i="1" smtClean="0">
+                                <a:latin typeface="Cambria Math" panose="02040503050406030204" pitchFamily="18" charset="0"/>
+                              </a:rPr>
+                              <m:t>−1</m:t>
+                            </m:r>
+                          </m:sup>
+                        </m:sSup>
+                        <m:r>
+                          <a:rPr lang="it-IT" b="0" i="1" smtClean="0">
+                            <a:latin typeface="Cambria Math" panose="02040503050406030204" pitchFamily="18" charset="0"/>
+                          </a:rPr>
+                          <m:t>+…+</m:t>
+                        </m:r>
+                        <m:r>
+                          <a:rPr lang="it-IT" b="0" i="1" smtClean="0">
+                            <a:latin typeface="Cambria Math" panose="02040503050406030204" pitchFamily="18" charset="0"/>
+                          </a:rPr>
+                          <m:t>𝑛</m:t>
+                        </m:r>
+                        <m:r>
+                          <a:rPr lang="it-IT" b="0" i="1" smtClean="0">
+                            <a:latin typeface="Cambria Math" panose="02040503050406030204" pitchFamily="18" charset="0"/>
+                          </a:rPr>
+                          <m:t>+</m:t>
+                        </m:r>
+                        <m:r>
+                          <a:rPr lang="it-IT" b="0" i="1" smtClean="0">
+                            <a:latin typeface="Cambria Math" panose="02040503050406030204" pitchFamily="18" charset="0"/>
+                          </a:rPr>
+                          <m:t>𝑐</m:t>
+                        </m:r>
+                      </m:e>
+                    </m:d>
+                    <m:r>
+                      <a:rPr lang="it-IT" b="0" i="1" smtClean="0">
+                        <a:latin typeface="Cambria Math" panose="02040503050406030204" pitchFamily="18" charset="0"/>
+                      </a:rPr>
+                      <m:t>=</m:t>
+                    </m:r>
+                    <m:r>
+                      <a:rPr lang="it-IT" b="0" i="1" smtClean="0">
+                        <a:latin typeface="Cambria Math" panose="02040503050406030204" pitchFamily="18" charset="0"/>
+                      </a:rPr>
+                      <m:t>𝑂</m:t>
+                    </m:r>
+                    <m:d>
+                      <m:dPr>
+                        <m:ctrlPr>
+                          <a:rPr lang="it-IT" b="0" i="1" smtClean="0">
+                            <a:latin typeface="Cambria Math" panose="02040503050406030204" pitchFamily="18" charset="0"/>
+                          </a:rPr>
+                        </m:ctrlPr>
+                      </m:dPr>
+                      <m:e>
+                        <m:sSup>
+                          <m:sSupPr>
+                            <m:ctrlPr>
+                              <a:rPr lang="it-IT" b="0" i="1" smtClean="0">
+                                <a:latin typeface="Cambria Math" panose="02040503050406030204" pitchFamily="18" charset="0"/>
+                              </a:rPr>
+                            </m:ctrlPr>
+                          </m:sSupPr>
+                          <m:e>
+                            <m:r>
+                              <a:rPr lang="it-IT" b="0" i="1" smtClean="0">
+                                <a:latin typeface="Cambria Math" panose="02040503050406030204" pitchFamily="18" charset="0"/>
+                              </a:rPr>
+                              <m:t>𝑛</m:t>
+                            </m:r>
+                          </m:e>
+                          <m:sup>
+                            <m:r>
+                              <a:rPr lang="it-IT" b="0" i="1" smtClean="0">
+                                <a:latin typeface="Cambria Math" panose="02040503050406030204" pitchFamily="18" charset="0"/>
+                              </a:rPr>
+                              <m:t>𝑘</m:t>
+                            </m:r>
+                          </m:sup>
+                        </m:sSup>
+                      </m:e>
+                    </m:d>
+                  </m:oMath>
+                </a14:m>
+                <a:endParaRPr lang="it-IT" b="0" dirty="0"/>
+              </a:p>
+              <a:p>
+                <a:pPr lvl="1"/>
+                <a:r>
+                  <a:rPr lang="it-IT" dirty="0" err="1"/>
+                  <a:t>we</a:t>
+                </a:r>
+                <a:r>
+                  <a:rPr lang="it-IT" dirty="0"/>
+                  <a:t> take the </a:t>
+                </a:r>
+                <a:r>
+                  <a:rPr lang="it-IT" dirty="0" err="1"/>
+                  <a:t>highest</a:t>
+                </a:r>
+                <a:r>
+                  <a:rPr lang="it-IT" dirty="0"/>
+                  <a:t> </a:t>
+                </a:r>
+                <a:r>
+                  <a:rPr lang="it-IT" dirty="0" err="1"/>
+                  <a:t>exponent</a:t>
+                </a:r>
+                <a:endParaRPr lang="it-IT" b="0" dirty="0"/>
+              </a:p>
+            </p:txBody>
+          </p:sp>
+        </mc:Choice>
+        <mc:Fallback>
+          <p:sp>
+            <p:nvSpPr>
+              <p:cNvPr id="3" name="Content Placeholder 2">
+                <a:extLst>
+                  <a:ext uri="{FF2B5EF4-FFF2-40B4-BE49-F238E27FC236}">
+                    <a16:creationId xmlns:a16="http://schemas.microsoft.com/office/drawing/2014/main" id="{1136DB45-0012-4C0B-8DE3-01DDD366DE52}"/>
+                  </a:ext>
+                </a:extLst>
+              </p:cNvPr>
+              <p:cNvSpPr>
+                <a:spLocks noGrp="1" noRot="1" noChangeAspect="1" noMove="1" noResize="1" noEditPoints="1" noAdjustHandles="1" noChangeArrowheads="1" noChangeShapeType="1" noTextEdit="1"/>
+              </p:cNvSpPr>
+              <p:nvPr>
+                <p:ph idx="1"/>
+              </p:nvPr>
+            </p:nvSpPr>
+            <p:spPr>
+              <a:xfrm>
+                <a:off x="677334" y="2160589"/>
+                <a:ext cx="8596668" cy="4245898"/>
+              </a:xfrm>
+              <a:blipFill>
+                <a:blip r:embed="rId2"/>
+                <a:stretch>
+                  <a:fillRect l="-71" t="-1578"/>
+                </a:stretch>
+              </a:blipFill>
+            </p:spPr>
+            <p:txBody>
+              <a:bodyPr/>
+              <a:lstStyle/>
+              <a:p>
+                <a:r>
+                  <a:rPr lang="it-IT">
+                    <a:noFill/>
+                  </a:rPr>
+                  <a:t> </a:t>
+                </a:r>
+              </a:p>
+            </p:txBody>
+          </p:sp>
+        </mc:Fallback>
+      </mc:AlternateContent>
+      <p:sp>
+        <p:nvSpPr>
+          <p:cNvPr id="4" name="Footer Placeholder 3">
+            <a:extLst>
+              <a:ext uri="{FF2B5EF4-FFF2-40B4-BE49-F238E27FC236}">
+                <a16:creationId xmlns:a16="http://schemas.microsoft.com/office/drawing/2014/main" id="{CDD8BE64-06C1-4641-94B3-67511ECC5D7A}"/>
+              </a:ext>
+            </a:extLst>
+          </p:cNvPr>
+          <p:cNvSpPr>
+            <a:spLocks noGrp="1"/>
+          </p:cNvSpPr>
+          <p:nvPr>
+            <p:ph type="ftr" sz="quarter" idx="11"/>
+          </p:nvPr>
+        </p:nvSpPr>
+        <p:spPr>
+          <a:xfrm>
+            <a:off x="677334" y="6486836"/>
+            <a:ext cx="6297612" cy="365125"/>
+          </a:xfrm>
+        </p:spPr>
+        <p:txBody>
+          <a:bodyPr/>
+          <a:lstStyle/>
+          <a:p>
+            <a:r>
+              <a:rPr lang="it-IT" dirty="0"/>
+              <a:t>INFDEV026A - G. Costantini, F. Di Giacomo, G. Maggiore</a:t>
+            </a:r>
+            <a:endParaRPr lang="en-GB" dirty="0"/>
+          </a:p>
+        </p:txBody>
+      </p:sp>
+    </p:spTree>
+    <p:extLst>
+      <p:ext uri="{BB962C8B-B14F-4D97-AF65-F5344CB8AC3E}">
+        <p14:creationId xmlns:p14="http://schemas.microsoft.com/office/powerpoint/2010/main" val="1138960218"/>
+      </p:ext>
+    </p:extLst>
+  </p:cSld>
+  <p:clrMapOvr>
+    <a:masterClrMapping/>
+  </p:clrMapOvr>
+</p:sld>
+</file>
+
+<file path=ppt/slides/slide39.xml><?xml version="1.0" encoding="utf-8"?>
+<p:sld xmlns:a="http://schemas.openxmlformats.org/drawingml/2006/main" xmlns:r="http://schemas.openxmlformats.org/officeDocument/2006/relationships" xmlns:p="http://schemas.openxmlformats.org/presentationml/2006/main">
+  <p:cSld>
+    <p:spTree>
+      <p:nvGrpSpPr>
+        <p:cNvPr id="1" name=""/>
+        <p:cNvGrpSpPr/>
+        <p:nvPr/>
+      </p:nvGrpSpPr>
+      <p:grpSpPr>
+        <a:xfrm>
+          <a:off x="0" y="0"/>
+          <a:ext cx="0" cy="0"/>
+          <a:chOff x="0" y="0"/>
+          <a:chExt cx="0" cy="0"/>
+        </a:xfrm>
+      </p:grpSpPr>
+      <p:sp>
+        <p:nvSpPr>
           <p:cNvPr id="2" name="Title 1"/>
           <p:cNvSpPr>
             <a:spLocks noGrp="1"/>
@@ -18304,301 +19425,6 @@
     <p:extLst>
       <p:ext uri="{BB962C8B-B14F-4D97-AF65-F5344CB8AC3E}">
         <p14:creationId xmlns:p14="http://schemas.microsoft.com/office/powerpoint/2010/main" val="1573178939"/>
-      </p:ext>
-    </p:extLst>
-  </p:cSld>
-  <p:clrMapOvr>
-    <a:masterClrMapping/>
-  </p:clrMapOvr>
-  <p:timing>
-    <p:tnLst>
-      <p:par>
-        <p:cTn id="1" dur="indefinite" restart="never" nodeType="tmRoot">
-          <p:childTnLst>
-            <p:seq concurrent="1" nextAc="seek">
-              <p:cTn id="2" dur="indefinite" nodeType="mainSeq">
-                <p:childTnLst>
-                  <p:par>
-                    <p:cTn id="3" fill="hold">
-                      <p:stCondLst>
-                        <p:cond delay="indefinite"/>
-                      </p:stCondLst>
-                      <p:childTnLst>
-                        <p:par>
-                          <p:cTn id="4" fill="hold">
-                            <p:stCondLst>
-                              <p:cond delay="0"/>
-                            </p:stCondLst>
-                            <p:childTnLst>
-                              <p:par>
-                                <p:cTn id="5" presetID="1" presetClass="entr" presetSubtype="0" fill="hold" nodeType="clickEffect">
-                                  <p:stCondLst>
-                                    <p:cond delay="0"/>
-                                  </p:stCondLst>
-                                  <p:childTnLst>
-                                    <p:set>
-                                      <p:cBhvr>
-                                        <p:cTn id="6" dur="1" fill="hold">
-                                          <p:stCondLst>
-                                            <p:cond delay="0"/>
-                                          </p:stCondLst>
-                                        </p:cTn>
-                                        <p:tgtEl>
-                                          <p:spTgt spid="3">
-                                            <p:txEl>
-                                              <p:pRg st="0" end="0"/>
-                                            </p:txEl>
-                                          </p:spTgt>
-                                        </p:tgtEl>
-                                        <p:attrNameLst>
-                                          <p:attrName>style.visibility</p:attrName>
-                                        </p:attrNameLst>
-                                      </p:cBhvr>
-                                      <p:to>
-                                        <p:strVal val="visible"/>
-                                      </p:to>
-                                    </p:set>
-                                  </p:childTnLst>
-                                </p:cTn>
-                              </p:par>
-                            </p:childTnLst>
-                          </p:cTn>
-                        </p:par>
-                      </p:childTnLst>
-                    </p:cTn>
-                  </p:par>
-                </p:childTnLst>
-              </p:cTn>
-              <p:prevCondLst>
-                <p:cond evt="onPrev" delay="0">
-                  <p:tgtEl>
-                    <p:sldTgt/>
-                  </p:tgtEl>
-                </p:cond>
-              </p:prevCondLst>
-              <p:nextCondLst>
-                <p:cond evt="onNext" delay="0">
-                  <p:tgtEl>
-                    <p:sldTgt/>
-                  </p:tgtEl>
-                </p:cond>
-              </p:nextCondLst>
-            </p:seq>
-          </p:childTnLst>
-        </p:cTn>
-      </p:par>
-    </p:tnLst>
-  </p:timing>
-</p:sld>
-</file>
-
-<file path=ppt/slides/slide39.xml><?xml version="1.0" encoding="utf-8"?>
-<p:sld xmlns:a="http://schemas.openxmlformats.org/drawingml/2006/main" xmlns:r="http://schemas.openxmlformats.org/officeDocument/2006/relationships" xmlns:p="http://schemas.openxmlformats.org/presentationml/2006/main">
-  <p:cSld>
-    <p:spTree>
-      <p:nvGrpSpPr>
-        <p:cNvPr id="1" name=""/>
-        <p:cNvGrpSpPr/>
-        <p:nvPr/>
-      </p:nvGrpSpPr>
-      <p:grpSpPr>
-        <a:xfrm>
-          <a:off x="0" y="0"/>
-          <a:ext cx="0" cy="0"/>
-          <a:chOff x="0" y="0"/>
-          <a:chExt cx="0" cy="0"/>
-        </a:xfrm>
-      </p:grpSpPr>
-      <p:sp>
-        <p:nvSpPr>
-          <p:cNvPr id="2" name="Title 1"/>
-          <p:cNvSpPr>
-            <a:spLocks noGrp="1"/>
-          </p:cNvSpPr>
-          <p:nvPr>
-            <p:ph type="title"/>
-          </p:nvPr>
-        </p:nvSpPr>
-        <p:spPr/>
-        <p:txBody>
-          <a:bodyPr/>
-          <a:lstStyle/>
-          <a:p>
-            <a:r>
-              <a:rPr lang="en-GB" dirty="0"/>
-              <a:t>Big O notation examples</a:t>
-            </a:r>
-          </a:p>
-        </p:txBody>
-      </p:sp>
-      <mc:AlternateContent xmlns:mc="http://schemas.openxmlformats.org/markup-compatibility/2006" xmlns:a14="http://schemas.microsoft.com/office/drawing/2010/main">
-        <mc:Choice Requires="a14">
-          <p:sp>
-            <p:nvSpPr>
-              <p:cNvPr id="3" name="Content Placeholder 2"/>
-              <p:cNvSpPr>
-                <a:spLocks noGrp="1"/>
-              </p:cNvSpPr>
-              <p:nvPr>
-                <p:ph idx="1"/>
-              </p:nvPr>
-            </p:nvSpPr>
-            <p:spPr/>
-            <p:txBody>
-              <a:bodyPr>
-                <a:normAutofit/>
-              </a:bodyPr>
-              <a:lstStyle/>
-              <a:p>
-                <a14:m>
-                  <m:oMath xmlns:m="http://schemas.openxmlformats.org/officeDocument/2006/math">
-                    <m:r>
-                      <a:rPr lang="en-GB" b="1" i="1" dirty="0" smtClean="0">
-                        <a:latin typeface="Cambria Math" panose="02040503050406030204" pitchFamily="18" charset="0"/>
-                      </a:rPr>
-                      <m:t>𝑶</m:t>
-                    </m:r>
-                    <m:r>
-                      <a:rPr lang="en-GB" b="1" i="1" dirty="0" smtClean="0">
-                        <a:latin typeface="Cambria Math" panose="02040503050406030204" pitchFamily="18" charset="0"/>
-                      </a:rPr>
-                      <m:t>(</m:t>
-                    </m:r>
-                    <m:r>
-                      <a:rPr lang="en-GB" b="1" i="1" dirty="0" smtClean="0">
-                        <a:latin typeface="Cambria Math" panose="02040503050406030204" pitchFamily="18" charset="0"/>
-                      </a:rPr>
-                      <m:t>𝟏</m:t>
-                    </m:r>
-                    <m:r>
-                      <a:rPr lang="en-GB" b="1" i="1" dirty="0" smtClean="0">
-                        <a:latin typeface="Cambria Math" panose="02040503050406030204" pitchFamily="18" charset="0"/>
-                      </a:rPr>
-                      <m:t>)</m:t>
-                    </m:r>
-                  </m:oMath>
-                </a14:m>
-                <a:endParaRPr lang="en-GB" dirty="0"/>
-              </a:p>
-              <a:p>
-                <a:endParaRPr lang="en-GB" dirty="0"/>
-              </a:p>
-              <a:p>
-                <a:pPr marL="0" indent="0">
-                  <a:buNone/>
-                </a:pPr>
-                <a:r>
-                  <a:rPr lang="en-GB" dirty="0">
-                    <a:latin typeface="Consolas" panose="020B0609020204030204" pitchFamily="49" charset="0"/>
-                    <a:cs typeface="Consolas" panose="020B0609020204030204" pitchFamily="49" charset="0"/>
-                  </a:rPr>
-                  <a:t>FOR </a:t>
-                </a:r>
-                <a:r>
-                  <a:rPr lang="en-GB" dirty="0" err="1">
-                    <a:latin typeface="Consolas" panose="020B0609020204030204" pitchFamily="49" charset="0"/>
-                    <a:cs typeface="Consolas" panose="020B0609020204030204" pitchFamily="49" charset="0"/>
-                  </a:rPr>
-                  <a:t>i</a:t>
-                </a:r>
-                <a:r>
-                  <a:rPr lang="en-GB" dirty="0">
-                    <a:latin typeface="Consolas" panose="020B0609020204030204" pitchFamily="49" charset="0"/>
-                    <a:cs typeface="Consolas" panose="020B0609020204030204" pitchFamily="49" charset="0"/>
-                  </a:rPr>
-                  <a:t> = 1 TO 10</a:t>
-                </a:r>
-              </a:p>
-              <a:p>
-                <a:pPr marL="0" indent="0">
-                  <a:buNone/>
-                </a:pPr>
-                <a:r>
-                  <a:rPr lang="en-GB" dirty="0">
-                    <a:latin typeface="Consolas" panose="020B0609020204030204" pitchFamily="49" charset="0"/>
-                    <a:cs typeface="Consolas" panose="020B0609020204030204" pitchFamily="49" charset="0"/>
-                  </a:rPr>
-                  <a:t>  x += a[</a:t>
-                </a:r>
-                <a:r>
-                  <a:rPr lang="en-GB" dirty="0" err="1">
-                    <a:latin typeface="Consolas" panose="020B0609020204030204" pitchFamily="49" charset="0"/>
-                    <a:cs typeface="Consolas" panose="020B0609020204030204" pitchFamily="49" charset="0"/>
-                  </a:rPr>
-                  <a:t>i</a:t>
-                </a:r>
-                <a:r>
-                  <a:rPr lang="en-GB" dirty="0">
-                    <a:latin typeface="Consolas" panose="020B0609020204030204" pitchFamily="49" charset="0"/>
-                    <a:cs typeface="Consolas" panose="020B0609020204030204" pitchFamily="49" charset="0"/>
-                  </a:rPr>
-                  <a:t>]</a:t>
-                </a:r>
-              </a:p>
-            </p:txBody>
-          </p:sp>
-        </mc:Choice>
-        <mc:Fallback xmlns="">
-          <p:sp>
-            <p:nvSpPr>
-              <p:cNvPr id="3" name="Content Placeholder 2"/>
-              <p:cNvSpPr>
-                <a:spLocks noGrp="1" noRot="1" noChangeAspect="1" noMove="1" noResize="1" noEditPoints="1" noAdjustHandles="1" noChangeArrowheads="1" noChangeShapeType="1" noTextEdit="1"/>
-              </p:cNvSpPr>
-              <p:nvPr>
-                <p:ph idx="1"/>
-              </p:nvPr>
-            </p:nvSpPr>
-            <p:spPr>
-              <a:blipFill rotWithShape="0">
-                <a:blip r:embed="rId2"/>
-                <a:stretch>
-                  <a:fillRect l="-567"/>
-                </a:stretch>
-              </a:blipFill>
-            </p:spPr>
-            <p:txBody>
-              <a:bodyPr/>
-              <a:lstStyle/>
-              <a:p>
-                <a:r>
-                  <a:rPr lang="nl-NL">
-                    <a:noFill/>
-                  </a:rPr>
-                  <a:t> </a:t>
-                </a:r>
-              </a:p>
-            </p:txBody>
-          </p:sp>
-        </mc:Fallback>
-      </mc:AlternateContent>
-      <p:sp>
-        <p:nvSpPr>
-          <p:cNvPr id="4" name="Footer Placeholder 3"/>
-          <p:cNvSpPr>
-            <a:spLocks noGrp="1"/>
-          </p:cNvSpPr>
-          <p:nvPr>
-            <p:ph type="ftr" sz="quarter" idx="11"/>
-          </p:nvPr>
-        </p:nvSpPr>
-        <p:spPr/>
-        <p:txBody>
-          <a:bodyPr/>
-          <a:lstStyle/>
-          <a:p>
-            <a:r>
-              <a:rPr lang="it-IT"/>
-              <a:t>INFDEV026A - G. Costantini, F. Di Giacomo, G. Maggiore</a:t>
-            </a:r>
-            <a:endParaRPr lang="en-GB"/>
-          </a:p>
-        </p:txBody>
-      </p:sp>
-    </p:spTree>
-    <p:extLst>
-      <p:ext uri="{BB962C8B-B14F-4D97-AF65-F5344CB8AC3E}">
-        <p14:creationId xmlns:p14="http://schemas.microsoft.com/office/powerpoint/2010/main" val="1824374480"/>
       </p:ext>
     </p:extLst>
   </p:cSld>
@@ -18726,8 +19552,8 @@
           </a:p>
         </p:txBody>
       </p:sp>
-      <mc:AlternateContent xmlns:mc="http://schemas.openxmlformats.org/markup-compatibility/2006">
-        <mc:Choice xmlns:a14="http://schemas.microsoft.com/office/drawing/2010/main" Requires="a14">
+      <mc:AlternateContent xmlns:mc="http://schemas.openxmlformats.org/markup-compatibility/2006" xmlns:a14="http://schemas.microsoft.com/office/drawing/2010/main">
+        <mc:Choice Requires="a14">
           <p:sp>
             <p:nvSpPr>
               <p:cNvPr id="3" name="Content Placeholder 2"/>
@@ -18859,7 +19685,7 @@
             </p:txBody>
           </p:sp>
         </mc:Choice>
-        <mc:Fallback>
+        <mc:Fallback xmlns="">
           <p:sp>
             <p:nvSpPr>
               <p:cNvPr id="3" name="Content Placeholder 2"/>
@@ -18967,7 +19793,7 @@
           <a:p>
             <a:r>
               <a:rPr lang="en-GB" dirty="0"/>
-              <a:t>Big O notation examples </a:t>
+              <a:t>Big O notation examples</a:t>
             </a:r>
           </a:p>
         </p:txBody>
@@ -19009,10 +19835,10 @@
                       <a:rPr lang="en-GB" b="1" i="1" dirty="0" smtClean="0">
                         <a:latin typeface="Cambria Math" panose="02040503050406030204" pitchFamily="18" charset="0"/>
                       </a:rPr>
-                      <m:t>𝑵</m:t>
+                      <m:t>𝟏</m:t>
                     </m:r>
                     <m:r>
-                      <a:rPr lang="en-GB" b="1" i="1" dirty="0">
+                      <a:rPr lang="en-GB" b="1" i="1" dirty="0" smtClean="0">
                         <a:latin typeface="Cambria Math" panose="02040503050406030204" pitchFamily="18" charset="0"/>
                       </a:rPr>
                       <m:t>)</m:t>
@@ -19022,9 +19848,6 @@
                 <a:endParaRPr lang="en-GB" dirty="0"/>
               </a:p>
               <a:p>
-                <a:pPr marL="0" indent="0">
-                  <a:buNone/>
-                </a:pPr>
                 <a:endParaRPr lang="en-GB" dirty="0"/>
               </a:p>
               <a:p>
@@ -19032,38 +19855,37 @@
                   <a:buNone/>
                 </a:pPr>
                 <a:r>
-                  <a:rPr lang="en-GB" dirty="0"/>
-                  <a:t>Summing all the elements of an array</a:t>
+                  <a:rPr lang="en-GB" dirty="0">
+                    <a:latin typeface="Consolas" panose="020B0609020204030204" pitchFamily="49" charset="0"/>
+                    <a:cs typeface="Consolas" panose="020B0609020204030204" pitchFamily="49" charset="0"/>
+                  </a:rPr>
+                  <a:t>FOR </a:t>
+                </a:r>
+                <a:r>
+                  <a:rPr lang="en-GB" dirty="0" err="1">
+                    <a:latin typeface="Consolas" panose="020B0609020204030204" pitchFamily="49" charset="0"/>
+                    <a:cs typeface="Consolas" panose="020B0609020204030204" pitchFamily="49" charset="0"/>
+                  </a:rPr>
+                  <a:t>i</a:t>
+                </a:r>
+                <a:r>
+                  <a:rPr lang="en-GB" dirty="0">
+                    <a:latin typeface="Consolas" panose="020B0609020204030204" pitchFamily="49" charset="0"/>
+                    <a:cs typeface="Consolas" panose="020B0609020204030204" pitchFamily="49" charset="0"/>
+                  </a:rPr>
+                  <a:t> = 1 TO 10</a:t>
                 </a:r>
               </a:p>
               <a:p>
                 <a:pPr marL="0" indent="0">
                   <a:buNone/>
                 </a:pPr>
-                <a:endParaRPr lang="en-GB" dirty="0"/>
-              </a:p>
-              <a:p>
-                <a:pPr marL="0" indent="0">
-                  <a:buNone/>
-                </a:pPr>
                 <a:r>
                   <a:rPr lang="en-GB" dirty="0">
                     <a:latin typeface="Consolas" panose="020B0609020204030204" pitchFamily="49" charset="0"/>
                     <a:cs typeface="Consolas" panose="020B0609020204030204" pitchFamily="49" charset="0"/>
                   </a:rPr>
-                  <a:t>x = 0 </a:t>
-                </a:r>
-              </a:p>
-              <a:p>
-                <a:pPr marL="0" indent="0">
-                  <a:buNone/>
-                </a:pPr>
-                <a:r>
-                  <a:rPr lang="en-GB" dirty="0">
-                    <a:latin typeface="Consolas" panose="020B0609020204030204" pitchFamily="49" charset="0"/>
-                    <a:cs typeface="Consolas" panose="020B0609020204030204" pitchFamily="49" charset="0"/>
-                  </a:rPr>
-                  <a:t>FOR </a:t>
+                  <a:t>  x += a[</a:t>
                 </a:r>
                 <a:r>
                   <a:rPr lang="en-GB" dirty="0" err="1">
@@ -19077,40 +19899,8 @@
                     <a:latin typeface="Consolas" panose="020B0609020204030204" pitchFamily="49" charset="0"/>
                     <a:cs typeface="Consolas" panose="020B0609020204030204" pitchFamily="49" charset="0"/>
                   </a:rPr>
-                  <a:t> = 0 TO N-1</a:t>
-                </a:r>
-              </a:p>
-              <a:p>
-                <a:pPr marL="0" indent="0">
-                  <a:buNone/>
-                </a:pPr>
-                <a:r>
-                  <a:rPr lang="en-GB" dirty="0">
-                    <a:latin typeface="Consolas" panose="020B0609020204030204" pitchFamily="49" charset="0"/>
-                    <a:cs typeface="Consolas" panose="020B0609020204030204" pitchFamily="49" charset="0"/>
-                  </a:rPr>
-                  <a:t>  x += a[</a:t>
-                </a:r>
-                <a:r>
-                  <a:rPr lang="en-GB" dirty="0" err="1">
-                    <a:latin typeface="Consolas" panose="020B0609020204030204" pitchFamily="49" charset="0"/>
-                    <a:cs typeface="Consolas" panose="020B0609020204030204" pitchFamily="49" charset="0"/>
-                  </a:rPr>
-                  <a:t>i</a:t>
-                </a:r>
-                <a:r>
-                  <a:rPr lang="en-GB" dirty="0">
-                    <a:latin typeface="Consolas" panose="020B0609020204030204" pitchFamily="49" charset="0"/>
-                    <a:cs typeface="Consolas" panose="020B0609020204030204" pitchFamily="49" charset="0"/>
-                  </a:rPr>
                   <a:t>]</a:t>
                 </a:r>
-              </a:p>
-              <a:p>
-                <a:pPr marL="0" indent="0">
-                  <a:buNone/>
-                </a:pPr>
-                <a:endParaRPr lang="en-GB" dirty="0"/>
               </a:p>
             </p:txBody>
           </p:sp>
@@ -19175,7 +19965,7 @@
     </p:spTree>
     <p:extLst>
       <p:ext uri="{BB962C8B-B14F-4D97-AF65-F5344CB8AC3E}">
-        <p14:creationId xmlns:p14="http://schemas.microsoft.com/office/powerpoint/2010/main" val="2274821244"/>
+        <p14:creationId xmlns:p14="http://schemas.microsoft.com/office/powerpoint/2010/main" val="1824374480"/>
       </p:ext>
     </p:extLst>
   </p:cSld>
@@ -19353,6 +20143,337 @@
                 <a:endParaRPr lang="en-GB" dirty="0"/>
               </a:p>
               <a:p>
+                <a:pPr marL="0" indent="0">
+                  <a:buNone/>
+                </a:pPr>
+                <a:endParaRPr lang="en-GB" dirty="0"/>
+              </a:p>
+              <a:p>
+                <a:pPr marL="0" indent="0">
+                  <a:buNone/>
+                </a:pPr>
+                <a:r>
+                  <a:rPr lang="en-GB" dirty="0"/>
+                  <a:t>Summing all the elements of an array</a:t>
+                </a:r>
+              </a:p>
+              <a:p>
+                <a:pPr marL="0" indent="0">
+                  <a:buNone/>
+                </a:pPr>
+                <a:endParaRPr lang="en-GB" dirty="0"/>
+              </a:p>
+              <a:p>
+                <a:pPr marL="0" indent="0">
+                  <a:buNone/>
+                </a:pPr>
+                <a:r>
+                  <a:rPr lang="en-GB" dirty="0">
+                    <a:latin typeface="Consolas" panose="020B0609020204030204" pitchFamily="49" charset="0"/>
+                    <a:cs typeface="Consolas" panose="020B0609020204030204" pitchFamily="49" charset="0"/>
+                  </a:rPr>
+                  <a:t>x = 0 </a:t>
+                </a:r>
+              </a:p>
+              <a:p>
+                <a:pPr marL="0" indent="0">
+                  <a:buNone/>
+                </a:pPr>
+                <a:r>
+                  <a:rPr lang="en-GB" dirty="0">
+                    <a:latin typeface="Consolas" panose="020B0609020204030204" pitchFamily="49" charset="0"/>
+                    <a:cs typeface="Consolas" panose="020B0609020204030204" pitchFamily="49" charset="0"/>
+                  </a:rPr>
+                  <a:t>FOR </a:t>
+                </a:r>
+                <a:r>
+                  <a:rPr lang="en-GB" dirty="0" err="1">
+                    <a:latin typeface="Consolas" panose="020B0609020204030204" pitchFamily="49" charset="0"/>
+                    <a:cs typeface="Consolas" panose="020B0609020204030204" pitchFamily="49" charset="0"/>
+                  </a:rPr>
+                  <a:t>i</a:t>
+                </a:r>
+                <a:r>
+                  <a:rPr lang="en-GB" dirty="0">
+                    <a:latin typeface="Consolas" panose="020B0609020204030204" pitchFamily="49" charset="0"/>
+                    <a:cs typeface="Consolas" panose="020B0609020204030204" pitchFamily="49" charset="0"/>
+                  </a:rPr>
+                  <a:t> = 0 TO N-1</a:t>
+                </a:r>
+              </a:p>
+              <a:p>
+                <a:pPr marL="0" indent="0">
+                  <a:buNone/>
+                </a:pPr>
+                <a:r>
+                  <a:rPr lang="en-GB" dirty="0">
+                    <a:latin typeface="Consolas" panose="020B0609020204030204" pitchFamily="49" charset="0"/>
+                    <a:cs typeface="Consolas" panose="020B0609020204030204" pitchFamily="49" charset="0"/>
+                  </a:rPr>
+                  <a:t>  x += a[</a:t>
+                </a:r>
+                <a:r>
+                  <a:rPr lang="en-GB" dirty="0" err="1">
+                    <a:latin typeface="Consolas" panose="020B0609020204030204" pitchFamily="49" charset="0"/>
+                    <a:cs typeface="Consolas" panose="020B0609020204030204" pitchFamily="49" charset="0"/>
+                  </a:rPr>
+                  <a:t>i</a:t>
+                </a:r>
+                <a:r>
+                  <a:rPr lang="en-GB" dirty="0">
+                    <a:latin typeface="Consolas" panose="020B0609020204030204" pitchFamily="49" charset="0"/>
+                    <a:cs typeface="Consolas" panose="020B0609020204030204" pitchFamily="49" charset="0"/>
+                  </a:rPr>
+                  <a:t>]</a:t>
+                </a:r>
+              </a:p>
+              <a:p>
+                <a:pPr marL="0" indent="0">
+                  <a:buNone/>
+                </a:pPr>
+                <a:endParaRPr lang="en-GB" dirty="0"/>
+              </a:p>
+            </p:txBody>
+          </p:sp>
+        </mc:Choice>
+        <mc:Fallback xmlns="">
+          <p:sp>
+            <p:nvSpPr>
+              <p:cNvPr id="3" name="Content Placeholder 2"/>
+              <p:cNvSpPr>
+                <a:spLocks noGrp="1" noRot="1" noChangeAspect="1" noMove="1" noResize="1" noEditPoints="1" noAdjustHandles="1" noChangeArrowheads="1" noChangeShapeType="1" noTextEdit="1"/>
+              </p:cNvSpPr>
+              <p:nvPr>
+                <p:ph idx="1"/>
+              </p:nvPr>
+            </p:nvSpPr>
+            <p:spPr>
+              <a:blipFill rotWithShape="0">
+                <a:blip r:embed="rId2"/>
+                <a:stretch>
+                  <a:fillRect l="-567"/>
+                </a:stretch>
+              </a:blipFill>
+            </p:spPr>
+            <p:txBody>
+              <a:bodyPr/>
+              <a:lstStyle/>
+              <a:p>
+                <a:r>
+                  <a:rPr lang="nl-NL">
+                    <a:noFill/>
+                  </a:rPr>
+                  <a:t> </a:t>
+                </a:r>
+              </a:p>
+            </p:txBody>
+          </p:sp>
+        </mc:Fallback>
+      </mc:AlternateContent>
+      <p:sp>
+        <p:nvSpPr>
+          <p:cNvPr id="4" name="Footer Placeholder 3"/>
+          <p:cNvSpPr>
+            <a:spLocks noGrp="1"/>
+          </p:cNvSpPr>
+          <p:nvPr>
+            <p:ph type="ftr" sz="quarter" idx="11"/>
+          </p:nvPr>
+        </p:nvSpPr>
+        <p:spPr/>
+        <p:txBody>
+          <a:bodyPr/>
+          <a:lstStyle/>
+          <a:p>
+            <a:r>
+              <a:rPr lang="it-IT"/>
+              <a:t>INFDEV026A - G. Costantini, F. Di Giacomo, G. Maggiore</a:t>
+            </a:r>
+            <a:endParaRPr lang="en-GB"/>
+          </a:p>
+        </p:txBody>
+      </p:sp>
+    </p:spTree>
+    <p:extLst>
+      <p:ext uri="{BB962C8B-B14F-4D97-AF65-F5344CB8AC3E}">
+        <p14:creationId xmlns:p14="http://schemas.microsoft.com/office/powerpoint/2010/main" val="2274821244"/>
+      </p:ext>
+    </p:extLst>
+  </p:cSld>
+  <p:clrMapOvr>
+    <a:masterClrMapping/>
+  </p:clrMapOvr>
+  <p:timing>
+    <p:tnLst>
+      <p:par>
+        <p:cTn id="1" dur="indefinite" restart="never" nodeType="tmRoot">
+          <p:childTnLst>
+            <p:seq concurrent="1" nextAc="seek">
+              <p:cTn id="2" dur="indefinite" nodeType="mainSeq">
+                <p:childTnLst>
+                  <p:par>
+                    <p:cTn id="3" fill="hold">
+                      <p:stCondLst>
+                        <p:cond delay="indefinite"/>
+                      </p:stCondLst>
+                      <p:childTnLst>
+                        <p:par>
+                          <p:cTn id="4" fill="hold">
+                            <p:stCondLst>
+                              <p:cond delay="0"/>
+                            </p:stCondLst>
+                            <p:childTnLst>
+                              <p:par>
+                                <p:cTn id="5" presetID="1" presetClass="entr" presetSubtype="0" fill="hold" nodeType="clickEffect">
+                                  <p:stCondLst>
+                                    <p:cond delay="0"/>
+                                  </p:stCondLst>
+                                  <p:childTnLst>
+                                    <p:set>
+                                      <p:cBhvr>
+                                        <p:cTn id="6" dur="1" fill="hold">
+                                          <p:stCondLst>
+                                            <p:cond delay="0"/>
+                                          </p:stCondLst>
+                                        </p:cTn>
+                                        <p:tgtEl>
+                                          <p:spTgt spid="3">
+                                            <p:txEl>
+                                              <p:pRg st="0" end="0"/>
+                                            </p:txEl>
+                                          </p:spTgt>
+                                        </p:tgtEl>
+                                        <p:attrNameLst>
+                                          <p:attrName>style.visibility</p:attrName>
+                                        </p:attrNameLst>
+                                      </p:cBhvr>
+                                      <p:to>
+                                        <p:strVal val="visible"/>
+                                      </p:to>
+                                    </p:set>
+                                  </p:childTnLst>
+                                </p:cTn>
+                              </p:par>
+                            </p:childTnLst>
+                          </p:cTn>
+                        </p:par>
+                      </p:childTnLst>
+                    </p:cTn>
+                  </p:par>
+                </p:childTnLst>
+              </p:cTn>
+              <p:prevCondLst>
+                <p:cond evt="onPrev" delay="0">
+                  <p:tgtEl>
+                    <p:sldTgt/>
+                  </p:tgtEl>
+                </p:cond>
+              </p:prevCondLst>
+              <p:nextCondLst>
+                <p:cond evt="onNext" delay="0">
+                  <p:tgtEl>
+                    <p:sldTgt/>
+                  </p:tgtEl>
+                </p:cond>
+              </p:nextCondLst>
+            </p:seq>
+          </p:childTnLst>
+        </p:cTn>
+      </p:par>
+    </p:tnLst>
+  </p:timing>
+</p:sld>
+</file>
+
+<file path=ppt/slides/slide42.xml><?xml version="1.0" encoding="utf-8"?>
+<p:sld xmlns:a="http://schemas.openxmlformats.org/drawingml/2006/main" xmlns:r="http://schemas.openxmlformats.org/officeDocument/2006/relationships" xmlns:p="http://schemas.openxmlformats.org/presentationml/2006/main">
+  <p:cSld>
+    <p:spTree>
+      <p:nvGrpSpPr>
+        <p:cNvPr id="1" name=""/>
+        <p:cNvGrpSpPr/>
+        <p:nvPr/>
+      </p:nvGrpSpPr>
+      <p:grpSpPr>
+        <a:xfrm>
+          <a:off x="0" y="0"/>
+          <a:ext cx="0" cy="0"/>
+          <a:chOff x="0" y="0"/>
+          <a:chExt cx="0" cy="0"/>
+        </a:xfrm>
+      </p:grpSpPr>
+      <p:sp>
+        <p:nvSpPr>
+          <p:cNvPr id="2" name="Title 1"/>
+          <p:cNvSpPr>
+            <a:spLocks noGrp="1"/>
+          </p:cNvSpPr>
+          <p:nvPr>
+            <p:ph type="title"/>
+          </p:nvPr>
+        </p:nvSpPr>
+        <p:spPr/>
+        <p:txBody>
+          <a:bodyPr/>
+          <a:lstStyle/>
+          <a:p>
+            <a:r>
+              <a:rPr lang="en-GB" dirty="0"/>
+              <a:t>Big O notation examples </a:t>
+            </a:r>
+          </a:p>
+        </p:txBody>
+      </p:sp>
+      <mc:AlternateContent xmlns:mc="http://schemas.openxmlformats.org/markup-compatibility/2006" xmlns:a14="http://schemas.microsoft.com/office/drawing/2010/main">
+        <mc:Choice Requires="a14">
+          <p:sp>
+            <p:nvSpPr>
+              <p:cNvPr id="3" name="Content Placeholder 2"/>
+              <p:cNvSpPr>
+                <a:spLocks noGrp="1"/>
+              </p:cNvSpPr>
+              <p:nvPr>
+                <p:ph idx="1"/>
+              </p:nvPr>
+            </p:nvSpPr>
+            <p:spPr/>
+            <p:txBody>
+              <a:bodyPr>
+                <a:normAutofit/>
+              </a:bodyPr>
+              <a:lstStyle/>
+              <a:p>
+                <a14:m>
+                  <m:oMath xmlns:m="http://schemas.openxmlformats.org/officeDocument/2006/math">
+                    <m:r>
+                      <a:rPr lang="en-GB" b="1" i="1" dirty="0" smtClean="0">
+                        <a:latin typeface="Cambria Math" panose="02040503050406030204" pitchFamily="18" charset="0"/>
+                      </a:rPr>
+                      <m:t>𝑶</m:t>
+                    </m:r>
+                    <m:r>
+                      <a:rPr lang="en-GB" b="1" i="1" dirty="0" smtClean="0">
+                        <a:latin typeface="Cambria Math" panose="02040503050406030204" pitchFamily="18" charset="0"/>
+                      </a:rPr>
+                      <m:t>(</m:t>
+                    </m:r>
+                    <m:r>
+                      <a:rPr lang="en-GB" b="1" i="1" dirty="0" smtClean="0">
+                        <a:latin typeface="Cambria Math" panose="02040503050406030204" pitchFamily="18" charset="0"/>
+                      </a:rPr>
+                      <m:t>𝑵</m:t>
+                    </m:r>
+                    <m:r>
+                      <a:rPr lang="en-GB" b="1" i="1" dirty="0">
+                        <a:latin typeface="Cambria Math" panose="02040503050406030204" pitchFamily="18" charset="0"/>
+                      </a:rPr>
+                      <m:t>)</m:t>
+                    </m:r>
+                  </m:oMath>
+                </a14:m>
+                <a:endParaRPr lang="en-GB" dirty="0"/>
+              </a:p>
+              <a:p>
                 <a:endParaRPr lang="en-GB" dirty="0"/>
               </a:p>
               <a:p>
@@ -19617,7 +20738,7 @@
 </p:sld>
 </file>
 
-<file path=ppt/slides/slide42.xml><?xml version="1.0" encoding="utf-8"?>
+<file path=ppt/slides/slide43.xml><?xml version="1.0" encoding="utf-8"?>
 <p:sld xmlns:a="http://schemas.openxmlformats.org/drawingml/2006/main" xmlns:r="http://schemas.openxmlformats.org/officeDocument/2006/relationships" xmlns:p="http://schemas.openxmlformats.org/presentationml/2006/main">
   <p:cSld>
     <p:spTree>
@@ -20082,7 +21203,7 @@
 </p:sld>
 </file>
 
-<file path=ppt/slides/slide43.xml><?xml version="1.0" encoding="utf-8"?>
+<file path=ppt/slides/slide44.xml><?xml version="1.0" encoding="utf-8"?>
 <p:sld xmlns:a="http://schemas.openxmlformats.org/drawingml/2006/main" xmlns:r="http://schemas.openxmlformats.org/officeDocument/2006/relationships" xmlns:p="http://schemas.openxmlformats.org/presentationml/2006/main">
   <p:cSld>
     <p:spTree>
@@ -20717,7 +21838,7 @@
 </p:sld>
 </file>
 
-<file path=ppt/slides/slide44.xml><?xml version="1.0" encoding="utf-8"?>
+<file path=ppt/slides/slide45.xml><?xml version="1.0" encoding="utf-8"?>
 <p:sld xmlns:a="http://schemas.openxmlformats.org/drawingml/2006/main" xmlns:r="http://schemas.openxmlformats.org/officeDocument/2006/relationships" xmlns:p="http://schemas.openxmlformats.org/presentationml/2006/main">
   <p:cSld>
     <p:spTree>
@@ -20963,366 +22084,6 @@
     <p:extLst>
       <p:ext uri="{BB962C8B-B14F-4D97-AF65-F5344CB8AC3E}">
         <p14:creationId xmlns:p14="http://schemas.microsoft.com/office/powerpoint/2010/main" val="842846902"/>
-      </p:ext>
-    </p:extLst>
-  </p:cSld>
-  <p:clrMapOvr>
-    <a:masterClrMapping/>
-  </p:clrMapOvr>
-  <p:timing>
-    <p:tnLst>
-      <p:par>
-        <p:cTn id="1" dur="indefinite" restart="never" nodeType="tmRoot">
-          <p:childTnLst>
-            <p:seq concurrent="1" nextAc="seek">
-              <p:cTn id="2" dur="indefinite" nodeType="mainSeq">
-                <p:childTnLst>
-                  <p:par>
-                    <p:cTn id="3" fill="hold">
-                      <p:stCondLst>
-                        <p:cond delay="indefinite"/>
-                      </p:stCondLst>
-                      <p:childTnLst>
-                        <p:par>
-                          <p:cTn id="4" fill="hold">
-                            <p:stCondLst>
-                              <p:cond delay="0"/>
-                            </p:stCondLst>
-                            <p:childTnLst>
-                              <p:par>
-                                <p:cTn id="5" presetID="1" presetClass="entr" presetSubtype="0" fill="hold" nodeType="clickEffect">
-                                  <p:stCondLst>
-                                    <p:cond delay="0"/>
-                                  </p:stCondLst>
-                                  <p:childTnLst>
-                                    <p:set>
-                                      <p:cBhvr>
-                                        <p:cTn id="6" dur="1" fill="hold">
-                                          <p:stCondLst>
-                                            <p:cond delay="0"/>
-                                          </p:stCondLst>
-                                        </p:cTn>
-                                        <p:tgtEl>
-                                          <p:spTgt spid="3">
-                                            <p:txEl>
-                                              <p:pRg st="0" end="0"/>
-                                            </p:txEl>
-                                          </p:spTgt>
-                                        </p:tgtEl>
-                                        <p:attrNameLst>
-                                          <p:attrName>style.visibility</p:attrName>
-                                        </p:attrNameLst>
-                                      </p:cBhvr>
-                                      <p:to>
-                                        <p:strVal val="visible"/>
-                                      </p:to>
-                                    </p:set>
-                                  </p:childTnLst>
-                                </p:cTn>
-                              </p:par>
-                            </p:childTnLst>
-                          </p:cTn>
-                        </p:par>
-                      </p:childTnLst>
-                    </p:cTn>
-                  </p:par>
-                </p:childTnLst>
-              </p:cTn>
-              <p:prevCondLst>
-                <p:cond evt="onPrev" delay="0">
-                  <p:tgtEl>
-                    <p:sldTgt/>
-                  </p:tgtEl>
-                </p:cond>
-              </p:prevCondLst>
-              <p:nextCondLst>
-                <p:cond evt="onNext" delay="0">
-                  <p:tgtEl>
-                    <p:sldTgt/>
-                  </p:tgtEl>
-                </p:cond>
-              </p:nextCondLst>
-            </p:seq>
-          </p:childTnLst>
-        </p:cTn>
-      </p:par>
-    </p:tnLst>
-  </p:timing>
-</p:sld>
-</file>
-
-<file path=ppt/slides/slide45.xml><?xml version="1.0" encoding="utf-8"?>
-<p:sld xmlns:a="http://schemas.openxmlformats.org/drawingml/2006/main" xmlns:r="http://schemas.openxmlformats.org/officeDocument/2006/relationships" xmlns:p="http://schemas.openxmlformats.org/presentationml/2006/main">
-  <p:cSld>
-    <p:spTree>
-      <p:nvGrpSpPr>
-        <p:cNvPr id="1" name=""/>
-        <p:cNvGrpSpPr/>
-        <p:nvPr/>
-      </p:nvGrpSpPr>
-      <p:grpSpPr>
-        <a:xfrm>
-          <a:off x="0" y="0"/>
-          <a:ext cx="0" cy="0"/>
-          <a:chOff x="0" y="0"/>
-          <a:chExt cx="0" cy="0"/>
-        </a:xfrm>
-      </p:grpSpPr>
-      <p:sp>
-        <p:nvSpPr>
-          <p:cNvPr id="2" name="Titel 1"/>
-          <p:cNvSpPr>
-            <a:spLocks noGrp="1"/>
-          </p:cNvSpPr>
-          <p:nvPr>
-            <p:ph type="title"/>
-          </p:nvPr>
-        </p:nvSpPr>
-        <p:spPr/>
-        <p:txBody>
-          <a:bodyPr/>
-          <a:lstStyle/>
-          <a:p>
-            <a:r>
-              <a:rPr lang="en-GB" dirty="0"/>
-              <a:t>Big O notation examples </a:t>
-            </a:r>
-            <a:endParaRPr lang="nl-NL" dirty="0"/>
-          </a:p>
-        </p:txBody>
-      </p:sp>
-      <mc:AlternateContent xmlns:mc="http://schemas.openxmlformats.org/markup-compatibility/2006" xmlns:a14="http://schemas.microsoft.com/office/drawing/2010/main">
-        <mc:Choice Requires="a14">
-          <p:sp>
-            <p:nvSpPr>
-              <p:cNvPr id="3" name="Tijdelijke aanduiding voor inhoud 2"/>
-              <p:cNvSpPr>
-                <a:spLocks noGrp="1"/>
-              </p:cNvSpPr>
-              <p:nvPr>
-                <p:ph idx="1"/>
-              </p:nvPr>
-            </p:nvSpPr>
-            <p:spPr/>
-            <p:txBody>
-              <a:bodyPr>
-                <a:noAutofit/>
-              </a:bodyPr>
-              <a:lstStyle/>
-              <a:p>
-                <a14:m>
-                  <m:oMath xmlns:m="http://schemas.openxmlformats.org/officeDocument/2006/math">
-                    <m:r>
-                      <a:rPr lang="en-GB" b="1" i="1" dirty="0" smtClean="0">
-                        <a:latin typeface="Cambria Math" panose="02040503050406030204" pitchFamily="18" charset="0"/>
-                      </a:rPr>
-                      <m:t>𝑶</m:t>
-                    </m:r>
-                    <m:d>
-                      <m:dPr>
-                        <m:ctrlPr>
-                          <a:rPr lang="en-GB" b="1" i="1" dirty="0">
-                            <a:latin typeface="Cambria Math" panose="02040503050406030204" pitchFamily="18" charset="0"/>
-                          </a:rPr>
-                        </m:ctrlPr>
-                      </m:dPr>
-                      <m:e>
-                        <m:sSup>
-                          <m:sSupPr>
-                            <m:ctrlPr>
-                              <a:rPr lang="en-GB" b="1" i="1" dirty="0">
-                                <a:latin typeface="Cambria Math" panose="02040503050406030204" pitchFamily="18" charset="0"/>
-                              </a:rPr>
-                            </m:ctrlPr>
-                          </m:sSupPr>
-                          <m:e>
-                            <m:r>
-                              <a:rPr lang="en-GB" b="1" i="1" dirty="0">
-                                <a:latin typeface="Cambria Math" panose="02040503050406030204" pitchFamily="18" charset="0"/>
-                              </a:rPr>
-                              <m:t>𝑵</m:t>
-                            </m:r>
-                          </m:e>
-                          <m:sup>
-                            <m:r>
-                              <a:rPr lang="nl-NL" b="1" i="1" dirty="0" smtClean="0">
-                                <a:latin typeface="Cambria Math" panose="02040503050406030204" pitchFamily="18" charset="0"/>
-                              </a:rPr>
-                              <m:t>𝟑</m:t>
-                            </m:r>
-                          </m:sup>
-                        </m:sSup>
-                      </m:e>
-                    </m:d>
-                  </m:oMath>
-                </a14:m>
-                <a:endParaRPr lang="nl-NL" b="1" dirty="0">
-                  <a:latin typeface="Consolas" panose="020B0609020204030204" pitchFamily="49" charset="0"/>
-                </a:endParaRPr>
-              </a:p>
-              <a:p>
-                <a:endParaRPr lang="nl-NL" dirty="0">
-                  <a:latin typeface="Consolas" panose="020B0609020204030204" pitchFamily="49" charset="0"/>
-                  <a:cs typeface="Consolas" panose="020B0609020204030204" pitchFamily="49" charset="0"/>
-                </a:endParaRPr>
-              </a:p>
-              <a:p>
-                <a:pPr marL="0" indent="0">
-                  <a:buNone/>
-                </a:pPr>
-                <a:r>
-                  <a:rPr lang="nl-NL" dirty="0" err="1">
-                    <a:latin typeface="Consolas" panose="020B0609020204030204" pitchFamily="49" charset="0"/>
-                    <a:cs typeface="Consolas" panose="020B0609020204030204" pitchFamily="49" charset="0"/>
-                  </a:rPr>
-                  <a:t>cnt</a:t>
-                </a:r>
-                <a:r>
-                  <a:rPr lang="nl-NL" dirty="0">
-                    <a:latin typeface="Consolas" panose="020B0609020204030204" pitchFamily="49" charset="0"/>
-                    <a:cs typeface="Consolas" panose="020B0609020204030204" pitchFamily="49" charset="0"/>
-                  </a:rPr>
-                  <a:t> = 0</a:t>
-                </a:r>
-              </a:p>
-              <a:p>
-                <a:pPr marL="0" indent="0">
-                  <a:buNone/>
-                </a:pPr>
-                <a:r>
-                  <a:rPr lang="nl-NL" dirty="0">
-                    <a:latin typeface="Consolas" panose="020B0609020204030204" pitchFamily="49" charset="0"/>
-                    <a:cs typeface="Consolas" panose="020B0609020204030204" pitchFamily="49" charset="0"/>
-                  </a:rPr>
-                  <a:t>FOR i = 0 TO N</a:t>
-                </a:r>
-              </a:p>
-              <a:p>
-                <a:pPr marL="0" indent="0">
-                  <a:buNone/>
-                </a:pPr>
-                <a:r>
-                  <a:rPr lang="nl-NL" dirty="0">
-                    <a:latin typeface="Consolas" panose="020B0609020204030204" pitchFamily="49" charset="0"/>
-                    <a:cs typeface="Consolas" panose="020B0609020204030204" pitchFamily="49" charset="0"/>
-                  </a:rPr>
-                  <a:t>  FOR j = i+1 TO N</a:t>
-                </a:r>
-              </a:p>
-              <a:p>
-                <a:pPr marL="0" indent="0">
-                  <a:buNone/>
-                </a:pPr>
-                <a:r>
-                  <a:rPr lang="nl-NL" dirty="0">
-                    <a:latin typeface="Consolas" panose="020B0609020204030204" pitchFamily="49" charset="0"/>
-                    <a:cs typeface="Consolas" panose="020B0609020204030204" pitchFamily="49" charset="0"/>
-                  </a:rPr>
-                  <a:t>    FOR k = j+1 TO N</a:t>
-                </a:r>
-              </a:p>
-              <a:p>
-                <a:pPr marL="0" indent="0">
-                  <a:buNone/>
-                </a:pPr>
-                <a:r>
-                  <a:rPr lang="nl-NL" dirty="0">
-                    <a:latin typeface="Consolas" panose="020B0609020204030204" pitchFamily="49" charset="0"/>
-                    <a:cs typeface="Consolas" panose="020B0609020204030204" pitchFamily="49" charset="0"/>
-                  </a:rPr>
-                  <a:t>      IF a[i] + a[j] + a[k] == 0</a:t>
-                </a:r>
-              </a:p>
-              <a:p>
-                <a:pPr marL="0" indent="0">
-                  <a:buNone/>
-                </a:pPr>
-                <a:r>
-                  <a:rPr lang="nl-NL" dirty="0">
-                    <a:latin typeface="Consolas" panose="020B0609020204030204" pitchFamily="49" charset="0"/>
-                    <a:cs typeface="Consolas" panose="020B0609020204030204" pitchFamily="49" charset="0"/>
-                  </a:rPr>
-                  <a:t>        </a:t>
-                </a:r>
-                <a:r>
-                  <a:rPr lang="nl-NL" dirty="0" err="1">
-                    <a:latin typeface="Consolas" panose="020B0609020204030204" pitchFamily="49" charset="0"/>
-                    <a:cs typeface="Consolas" panose="020B0609020204030204" pitchFamily="49" charset="0"/>
-                  </a:rPr>
-                  <a:t>cnt</a:t>
-                </a:r>
-                <a:r>
-                  <a:rPr lang="nl-NL" dirty="0">
-                    <a:latin typeface="Consolas" panose="020B0609020204030204" pitchFamily="49" charset="0"/>
-                    <a:cs typeface="Consolas" panose="020B0609020204030204" pitchFamily="49" charset="0"/>
-                  </a:rPr>
-                  <a:t>++</a:t>
-                </a:r>
-              </a:p>
-            </p:txBody>
-          </p:sp>
-        </mc:Choice>
-        <mc:Fallback xmlns="">
-          <p:sp>
-            <p:nvSpPr>
-              <p:cNvPr id="3" name="Tijdelijke aanduiding voor inhoud 2"/>
-              <p:cNvSpPr>
-                <a:spLocks noGrp="1" noRot="1" noChangeAspect="1" noMove="1" noResize="1" noEditPoints="1" noAdjustHandles="1" noChangeArrowheads="1" noChangeShapeType="1" noTextEdit="1"/>
-              </p:cNvSpPr>
-              <p:nvPr>
-                <p:ph idx="1"/>
-              </p:nvPr>
-            </p:nvSpPr>
-            <p:spPr>
-              <a:blipFill rotWithShape="0">
-                <a:blip r:embed="rId2"/>
-                <a:stretch>
-                  <a:fillRect l="-567"/>
-                </a:stretch>
-              </a:blipFill>
-            </p:spPr>
-            <p:txBody>
-              <a:bodyPr/>
-              <a:lstStyle/>
-              <a:p>
-                <a:r>
-                  <a:rPr lang="nl-NL">
-                    <a:noFill/>
-                  </a:rPr>
-                  <a:t> </a:t>
-                </a:r>
-              </a:p>
-            </p:txBody>
-          </p:sp>
-        </mc:Fallback>
-      </mc:AlternateContent>
-      <p:sp>
-        <p:nvSpPr>
-          <p:cNvPr id="4" name="Tijdelijke aanduiding voor voettekst 3"/>
-          <p:cNvSpPr>
-            <a:spLocks noGrp="1"/>
-          </p:cNvSpPr>
-          <p:nvPr>
-            <p:ph type="ftr" sz="quarter" idx="11"/>
-          </p:nvPr>
-        </p:nvSpPr>
-        <p:spPr/>
-        <p:txBody>
-          <a:bodyPr/>
-          <a:lstStyle/>
-          <a:p>
-            <a:r>
-              <a:rPr lang="it-IT"/>
-              <a:t>INFDEV026A - G. Costantini, F. Di Giacomo, G. Maggiore</a:t>
-            </a:r>
-            <a:endParaRPr lang="en-GB" dirty="0"/>
-          </a:p>
-        </p:txBody>
-      </p:sp>
-    </p:spTree>
-    <p:extLst>
-      <p:ext uri="{BB962C8B-B14F-4D97-AF65-F5344CB8AC3E}">
-        <p14:creationId xmlns:p14="http://schemas.microsoft.com/office/powerpoint/2010/main" val="256033232"/>
       </p:ext>
     </p:extLst>
   </p:cSld>
@@ -21430,6 +22191,366 @@
       </p:grpSpPr>
       <p:sp>
         <p:nvSpPr>
+          <p:cNvPr id="2" name="Titel 1"/>
+          <p:cNvSpPr>
+            <a:spLocks noGrp="1"/>
+          </p:cNvSpPr>
+          <p:nvPr>
+            <p:ph type="title"/>
+          </p:nvPr>
+        </p:nvSpPr>
+        <p:spPr/>
+        <p:txBody>
+          <a:bodyPr/>
+          <a:lstStyle/>
+          <a:p>
+            <a:r>
+              <a:rPr lang="en-GB" dirty="0"/>
+              <a:t>Big O notation examples </a:t>
+            </a:r>
+            <a:endParaRPr lang="nl-NL" dirty="0"/>
+          </a:p>
+        </p:txBody>
+      </p:sp>
+      <mc:AlternateContent xmlns:mc="http://schemas.openxmlformats.org/markup-compatibility/2006" xmlns:a14="http://schemas.microsoft.com/office/drawing/2010/main">
+        <mc:Choice Requires="a14">
+          <p:sp>
+            <p:nvSpPr>
+              <p:cNvPr id="3" name="Tijdelijke aanduiding voor inhoud 2"/>
+              <p:cNvSpPr>
+                <a:spLocks noGrp="1"/>
+              </p:cNvSpPr>
+              <p:nvPr>
+                <p:ph idx="1"/>
+              </p:nvPr>
+            </p:nvSpPr>
+            <p:spPr/>
+            <p:txBody>
+              <a:bodyPr>
+                <a:noAutofit/>
+              </a:bodyPr>
+              <a:lstStyle/>
+              <a:p>
+                <a14:m>
+                  <m:oMath xmlns:m="http://schemas.openxmlformats.org/officeDocument/2006/math">
+                    <m:r>
+                      <a:rPr lang="en-GB" b="1" i="1" dirty="0" smtClean="0">
+                        <a:latin typeface="Cambria Math" panose="02040503050406030204" pitchFamily="18" charset="0"/>
+                      </a:rPr>
+                      <m:t>𝑶</m:t>
+                    </m:r>
+                    <m:d>
+                      <m:dPr>
+                        <m:ctrlPr>
+                          <a:rPr lang="en-GB" b="1" i="1" dirty="0">
+                            <a:latin typeface="Cambria Math" panose="02040503050406030204" pitchFamily="18" charset="0"/>
+                          </a:rPr>
+                        </m:ctrlPr>
+                      </m:dPr>
+                      <m:e>
+                        <m:sSup>
+                          <m:sSupPr>
+                            <m:ctrlPr>
+                              <a:rPr lang="en-GB" b="1" i="1" dirty="0">
+                                <a:latin typeface="Cambria Math" panose="02040503050406030204" pitchFamily="18" charset="0"/>
+                              </a:rPr>
+                            </m:ctrlPr>
+                          </m:sSupPr>
+                          <m:e>
+                            <m:r>
+                              <a:rPr lang="en-GB" b="1" i="1" dirty="0">
+                                <a:latin typeface="Cambria Math" panose="02040503050406030204" pitchFamily="18" charset="0"/>
+                              </a:rPr>
+                              <m:t>𝑵</m:t>
+                            </m:r>
+                          </m:e>
+                          <m:sup>
+                            <m:r>
+                              <a:rPr lang="nl-NL" b="1" i="1" dirty="0" smtClean="0">
+                                <a:latin typeface="Cambria Math" panose="02040503050406030204" pitchFamily="18" charset="0"/>
+                              </a:rPr>
+                              <m:t>𝟑</m:t>
+                            </m:r>
+                          </m:sup>
+                        </m:sSup>
+                      </m:e>
+                    </m:d>
+                  </m:oMath>
+                </a14:m>
+                <a:endParaRPr lang="nl-NL" b="1" dirty="0">
+                  <a:latin typeface="Consolas" panose="020B0609020204030204" pitchFamily="49" charset="0"/>
+                </a:endParaRPr>
+              </a:p>
+              <a:p>
+                <a:endParaRPr lang="nl-NL" dirty="0">
+                  <a:latin typeface="Consolas" panose="020B0609020204030204" pitchFamily="49" charset="0"/>
+                  <a:cs typeface="Consolas" panose="020B0609020204030204" pitchFamily="49" charset="0"/>
+                </a:endParaRPr>
+              </a:p>
+              <a:p>
+                <a:pPr marL="0" indent="0">
+                  <a:buNone/>
+                </a:pPr>
+                <a:r>
+                  <a:rPr lang="nl-NL" dirty="0" err="1">
+                    <a:latin typeface="Consolas" panose="020B0609020204030204" pitchFamily="49" charset="0"/>
+                    <a:cs typeface="Consolas" panose="020B0609020204030204" pitchFamily="49" charset="0"/>
+                  </a:rPr>
+                  <a:t>cnt</a:t>
+                </a:r>
+                <a:r>
+                  <a:rPr lang="nl-NL" dirty="0">
+                    <a:latin typeface="Consolas" panose="020B0609020204030204" pitchFamily="49" charset="0"/>
+                    <a:cs typeface="Consolas" panose="020B0609020204030204" pitchFamily="49" charset="0"/>
+                  </a:rPr>
+                  <a:t> = 0</a:t>
+                </a:r>
+              </a:p>
+              <a:p>
+                <a:pPr marL="0" indent="0">
+                  <a:buNone/>
+                </a:pPr>
+                <a:r>
+                  <a:rPr lang="nl-NL" dirty="0">
+                    <a:latin typeface="Consolas" panose="020B0609020204030204" pitchFamily="49" charset="0"/>
+                    <a:cs typeface="Consolas" panose="020B0609020204030204" pitchFamily="49" charset="0"/>
+                  </a:rPr>
+                  <a:t>FOR i = 0 TO N</a:t>
+                </a:r>
+              </a:p>
+              <a:p>
+                <a:pPr marL="0" indent="0">
+                  <a:buNone/>
+                </a:pPr>
+                <a:r>
+                  <a:rPr lang="nl-NL" dirty="0">
+                    <a:latin typeface="Consolas" panose="020B0609020204030204" pitchFamily="49" charset="0"/>
+                    <a:cs typeface="Consolas" panose="020B0609020204030204" pitchFamily="49" charset="0"/>
+                  </a:rPr>
+                  <a:t>  FOR j = i+1 TO N</a:t>
+                </a:r>
+              </a:p>
+              <a:p>
+                <a:pPr marL="0" indent="0">
+                  <a:buNone/>
+                </a:pPr>
+                <a:r>
+                  <a:rPr lang="nl-NL" dirty="0">
+                    <a:latin typeface="Consolas" panose="020B0609020204030204" pitchFamily="49" charset="0"/>
+                    <a:cs typeface="Consolas" panose="020B0609020204030204" pitchFamily="49" charset="0"/>
+                  </a:rPr>
+                  <a:t>    FOR k = j+1 TO N</a:t>
+                </a:r>
+              </a:p>
+              <a:p>
+                <a:pPr marL="0" indent="0">
+                  <a:buNone/>
+                </a:pPr>
+                <a:r>
+                  <a:rPr lang="nl-NL" dirty="0">
+                    <a:latin typeface="Consolas" panose="020B0609020204030204" pitchFamily="49" charset="0"/>
+                    <a:cs typeface="Consolas" panose="020B0609020204030204" pitchFamily="49" charset="0"/>
+                  </a:rPr>
+                  <a:t>      IF a[i] + a[j] + a[k] == 0</a:t>
+                </a:r>
+              </a:p>
+              <a:p>
+                <a:pPr marL="0" indent="0">
+                  <a:buNone/>
+                </a:pPr>
+                <a:r>
+                  <a:rPr lang="nl-NL" dirty="0">
+                    <a:latin typeface="Consolas" panose="020B0609020204030204" pitchFamily="49" charset="0"/>
+                    <a:cs typeface="Consolas" panose="020B0609020204030204" pitchFamily="49" charset="0"/>
+                  </a:rPr>
+                  <a:t>        </a:t>
+                </a:r>
+                <a:r>
+                  <a:rPr lang="nl-NL" dirty="0" err="1">
+                    <a:latin typeface="Consolas" panose="020B0609020204030204" pitchFamily="49" charset="0"/>
+                    <a:cs typeface="Consolas" panose="020B0609020204030204" pitchFamily="49" charset="0"/>
+                  </a:rPr>
+                  <a:t>cnt</a:t>
+                </a:r>
+                <a:r>
+                  <a:rPr lang="nl-NL" dirty="0">
+                    <a:latin typeface="Consolas" panose="020B0609020204030204" pitchFamily="49" charset="0"/>
+                    <a:cs typeface="Consolas" panose="020B0609020204030204" pitchFamily="49" charset="0"/>
+                  </a:rPr>
+                  <a:t>++</a:t>
+                </a:r>
+              </a:p>
+            </p:txBody>
+          </p:sp>
+        </mc:Choice>
+        <mc:Fallback xmlns="">
+          <p:sp>
+            <p:nvSpPr>
+              <p:cNvPr id="3" name="Tijdelijke aanduiding voor inhoud 2"/>
+              <p:cNvSpPr>
+                <a:spLocks noGrp="1" noRot="1" noChangeAspect="1" noMove="1" noResize="1" noEditPoints="1" noAdjustHandles="1" noChangeArrowheads="1" noChangeShapeType="1" noTextEdit="1"/>
+              </p:cNvSpPr>
+              <p:nvPr>
+                <p:ph idx="1"/>
+              </p:nvPr>
+            </p:nvSpPr>
+            <p:spPr>
+              <a:blipFill rotWithShape="0">
+                <a:blip r:embed="rId2"/>
+                <a:stretch>
+                  <a:fillRect l="-567"/>
+                </a:stretch>
+              </a:blipFill>
+            </p:spPr>
+            <p:txBody>
+              <a:bodyPr/>
+              <a:lstStyle/>
+              <a:p>
+                <a:r>
+                  <a:rPr lang="nl-NL">
+                    <a:noFill/>
+                  </a:rPr>
+                  <a:t> </a:t>
+                </a:r>
+              </a:p>
+            </p:txBody>
+          </p:sp>
+        </mc:Fallback>
+      </mc:AlternateContent>
+      <p:sp>
+        <p:nvSpPr>
+          <p:cNvPr id="4" name="Tijdelijke aanduiding voor voettekst 3"/>
+          <p:cNvSpPr>
+            <a:spLocks noGrp="1"/>
+          </p:cNvSpPr>
+          <p:nvPr>
+            <p:ph type="ftr" sz="quarter" idx="11"/>
+          </p:nvPr>
+        </p:nvSpPr>
+        <p:spPr/>
+        <p:txBody>
+          <a:bodyPr/>
+          <a:lstStyle/>
+          <a:p>
+            <a:r>
+              <a:rPr lang="it-IT"/>
+              <a:t>INFDEV026A - G. Costantini, F. Di Giacomo, G. Maggiore</a:t>
+            </a:r>
+            <a:endParaRPr lang="en-GB" dirty="0"/>
+          </a:p>
+        </p:txBody>
+      </p:sp>
+    </p:spTree>
+    <p:extLst>
+      <p:ext uri="{BB962C8B-B14F-4D97-AF65-F5344CB8AC3E}">
+        <p14:creationId xmlns:p14="http://schemas.microsoft.com/office/powerpoint/2010/main" val="256033232"/>
+      </p:ext>
+    </p:extLst>
+  </p:cSld>
+  <p:clrMapOvr>
+    <a:masterClrMapping/>
+  </p:clrMapOvr>
+  <p:timing>
+    <p:tnLst>
+      <p:par>
+        <p:cTn id="1" dur="indefinite" restart="never" nodeType="tmRoot">
+          <p:childTnLst>
+            <p:seq concurrent="1" nextAc="seek">
+              <p:cTn id="2" dur="indefinite" nodeType="mainSeq">
+                <p:childTnLst>
+                  <p:par>
+                    <p:cTn id="3" fill="hold">
+                      <p:stCondLst>
+                        <p:cond delay="indefinite"/>
+                      </p:stCondLst>
+                      <p:childTnLst>
+                        <p:par>
+                          <p:cTn id="4" fill="hold">
+                            <p:stCondLst>
+                              <p:cond delay="0"/>
+                            </p:stCondLst>
+                            <p:childTnLst>
+                              <p:par>
+                                <p:cTn id="5" presetID="1" presetClass="entr" presetSubtype="0" fill="hold" nodeType="clickEffect">
+                                  <p:stCondLst>
+                                    <p:cond delay="0"/>
+                                  </p:stCondLst>
+                                  <p:childTnLst>
+                                    <p:set>
+                                      <p:cBhvr>
+                                        <p:cTn id="6" dur="1" fill="hold">
+                                          <p:stCondLst>
+                                            <p:cond delay="0"/>
+                                          </p:stCondLst>
+                                        </p:cTn>
+                                        <p:tgtEl>
+                                          <p:spTgt spid="3">
+                                            <p:txEl>
+                                              <p:pRg st="0" end="0"/>
+                                            </p:txEl>
+                                          </p:spTgt>
+                                        </p:tgtEl>
+                                        <p:attrNameLst>
+                                          <p:attrName>style.visibility</p:attrName>
+                                        </p:attrNameLst>
+                                      </p:cBhvr>
+                                      <p:to>
+                                        <p:strVal val="visible"/>
+                                      </p:to>
+                                    </p:set>
+                                  </p:childTnLst>
+                                </p:cTn>
+                              </p:par>
+                            </p:childTnLst>
+                          </p:cTn>
+                        </p:par>
+                      </p:childTnLst>
+                    </p:cTn>
+                  </p:par>
+                </p:childTnLst>
+              </p:cTn>
+              <p:prevCondLst>
+                <p:cond evt="onPrev" delay="0">
+                  <p:tgtEl>
+                    <p:sldTgt/>
+                  </p:tgtEl>
+                </p:cond>
+              </p:prevCondLst>
+              <p:nextCondLst>
+                <p:cond evt="onNext" delay="0">
+                  <p:tgtEl>
+                    <p:sldTgt/>
+                  </p:tgtEl>
+                </p:cond>
+              </p:nextCondLst>
+            </p:seq>
+          </p:childTnLst>
+        </p:cTn>
+      </p:par>
+    </p:tnLst>
+  </p:timing>
+</p:sld>
+</file>
+
+<file path=ppt/slides/slide47.xml><?xml version="1.0" encoding="utf-8"?>
+<p:sld xmlns:a="http://schemas.openxmlformats.org/drawingml/2006/main" xmlns:r="http://schemas.openxmlformats.org/officeDocument/2006/relationships" xmlns:p="http://schemas.openxmlformats.org/presentationml/2006/main">
+  <p:cSld>
+    <p:spTree>
+      <p:nvGrpSpPr>
+        <p:cNvPr id="1" name=""/>
+        <p:cNvGrpSpPr/>
+        <p:nvPr/>
+      </p:nvGrpSpPr>
+      <p:grpSpPr>
+        <a:xfrm>
+          <a:off x="0" y="0"/>
+          <a:ext cx="0" cy="0"/>
+          <a:chOff x="0" y="0"/>
+          <a:chExt cx="0" cy="0"/>
+        </a:xfrm>
+      </p:grpSpPr>
+      <p:sp>
+        <p:nvSpPr>
           <p:cNvPr id="2" name="Title 1"/>
           <p:cNvSpPr>
             <a:spLocks noGrp="1"/>
@@ -21515,7 +22636,7 @@
 </p:sld>
 </file>
 
-<file path=ppt/slides/slide47.xml><?xml version="1.0" encoding="utf-8"?>
+<file path=ppt/slides/slide48.xml><?xml version="1.0" encoding="utf-8"?>
 <p:sld xmlns:a="http://schemas.openxmlformats.org/drawingml/2006/main" xmlns:r="http://schemas.openxmlformats.org/officeDocument/2006/relationships" xmlns:p="http://schemas.openxmlformats.org/presentationml/2006/main">
   <p:cSld>
     <p:spTree>
@@ -21619,7 +22740,7 @@
 </p:sld>
 </file>
 
-<file path=ppt/slides/slide48.xml><?xml version="1.0" encoding="utf-8"?>
+<file path=ppt/slides/slide49.xml><?xml version="1.0" encoding="utf-8"?>
 <p:sld xmlns:a="http://schemas.openxmlformats.org/drawingml/2006/main" xmlns:r="http://schemas.openxmlformats.org/officeDocument/2006/relationships" xmlns:p="http://schemas.openxmlformats.org/presentationml/2006/main">
   <p:cSld>
     <p:spTree>
@@ -21715,110 +22836,6 @@
     <p:extLst>
       <p:ext uri="{BB962C8B-B14F-4D97-AF65-F5344CB8AC3E}">
         <p14:creationId xmlns:p14="http://schemas.microsoft.com/office/powerpoint/2010/main" val="1150868997"/>
-      </p:ext>
-    </p:extLst>
-  </p:cSld>
-  <p:clrMapOvr>
-    <a:masterClrMapping/>
-  </p:clrMapOvr>
-</p:sld>
-</file>
-
-<file path=ppt/slides/slide49.xml><?xml version="1.0" encoding="utf-8"?>
-<p:sld xmlns:a="http://schemas.openxmlformats.org/drawingml/2006/main" xmlns:r="http://schemas.openxmlformats.org/officeDocument/2006/relationships" xmlns:p="http://schemas.openxmlformats.org/presentationml/2006/main">
-  <p:cSld>
-    <p:spTree>
-      <p:nvGrpSpPr>
-        <p:cNvPr id="1" name=""/>
-        <p:cNvGrpSpPr/>
-        <p:nvPr/>
-      </p:nvGrpSpPr>
-      <p:grpSpPr>
-        <a:xfrm>
-          <a:off x="0" y="0"/>
-          <a:ext cx="0" cy="0"/>
-          <a:chOff x="0" y="0"/>
-          <a:chExt cx="0" cy="0"/>
-        </a:xfrm>
-      </p:grpSpPr>
-      <p:sp>
-        <p:nvSpPr>
-          <p:cNvPr id="2" name="Title 1"/>
-          <p:cNvSpPr>
-            <a:spLocks noGrp="1"/>
-          </p:cNvSpPr>
-          <p:nvPr>
-            <p:ph type="title"/>
-          </p:nvPr>
-        </p:nvSpPr>
-        <p:spPr/>
-        <p:txBody>
-          <a:bodyPr/>
-          <a:lstStyle/>
-          <a:p>
-            <a:r>
-              <a:rPr lang="en-GB" dirty="0"/>
-              <a:t>Big O notation comparison</a:t>
-            </a:r>
-          </a:p>
-        </p:txBody>
-      </p:sp>
-      <p:pic>
-        <p:nvPicPr>
-          <p:cNvPr id="5" name="Content Placeholder 4"/>
-          <p:cNvPicPr>
-            <a:picLocks noGrp="1" noChangeAspect="1"/>
-          </p:cNvPicPr>
-          <p:nvPr>
-            <p:ph idx="1"/>
-          </p:nvPr>
-        </p:nvPicPr>
-        <p:blipFill>
-          <a:blip r:embed="rId2">
-            <a:extLst>
-              <a:ext uri="{28A0092B-C50C-407E-A947-70E740481C1C}">
-                <a14:useLocalDpi xmlns:a14="http://schemas.microsoft.com/office/drawing/2010/main" val="0"/>
-              </a:ext>
-            </a:extLst>
-          </a:blip>
-          <a:stretch>
-            <a:fillRect/>
-          </a:stretch>
-        </p:blipFill>
-        <p:spPr>
-          <a:xfrm>
-            <a:off x="1776889" y="1649270"/>
-            <a:ext cx="6948011" cy="4209591"/>
-          </a:xfrm>
-        </p:spPr>
-      </p:pic>
-      <p:sp>
-        <p:nvSpPr>
-          <p:cNvPr id="4" name="Footer Placeholder 3"/>
-          <p:cNvSpPr>
-            <a:spLocks noGrp="1"/>
-          </p:cNvSpPr>
-          <p:nvPr>
-            <p:ph type="ftr" sz="quarter" idx="11"/>
-          </p:nvPr>
-        </p:nvSpPr>
-        <p:spPr/>
-        <p:txBody>
-          <a:bodyPr/>
-          <a:lstStyle/>
-          <a:p>
-            <a:r>
-              <a:rPr lang="it-IT"/>
-              <a:t>INFDEV026A - G. Costantini, F. Di Giacomo, G. Maggiore</a:t>
-            </a:r>
-            <a:endParaRPr lang="en-GB"/>
-          </a:p>
-        </p:txBody>
-      </p:sp>
-    </p:spTree>
-    <p:extLst>
-      <p:ext uri="{BB962C8B-B14F-4D97-AF65-F5344CB8AC3E}">
-        <p14:creationId xmlns:p14="http://schemas.microsoft.com/office/powerpoint/2010/main" val="4123230290"/>
       </p:ext>
     </p:extLst>
   </p:cSld>
@@ -22183,6 +23200,110 @@
         </p:blipFill>
         <p:spPr>
           <a:xfrm>
+            <a:off x="1776889" y="1649270"/>
+            <a:ext cx="6948011" cy="4209591"/>
+          </a:xfrm>
+        </p:spPr>
+      </p:pic>
+      <p:sp>
+        <p:nvSpPr>
+          <p:cNvPr id="4" name="Footer Placeholder 3"/>
+          <p:cNvSpPr>
+            <a:spLocks noGrp="1"/>
+          </p:cNvSpPr>
+          <p:nvPr>
+            <p:ph type="ftr" sz="quarter" idx="11"/>
+          </p:nvPr>
+        </p:nvSpPr>
+        <p:spPr/>
+        <p:txBody>
+          <a:bodyPr/>
+          <a:lstStyle/>
+          <a:p>
+            <a:r>
+              <a:rPr lang="it-IT"/>
+              <a:t>INFDEV026A - G. Costantini, F. Di Giacomo, G. Maggiore</a:t>
+            </a:r>
+            <a:endParaRPr lang="en-GB"/>
+          </a:p>
+        </p:txBody>
+      </p:sp>
+    </p:spTree>
+    <p:extLst>
+      <p:ext uri="{BB962C8B-B14F-4D97-AF65-F5344CB8AC3E}">
+        <p14:creationId xmlns:p14="http://schemas.microsoft.com/office/powerpoint/2010/main" val="4123230290"/>
+      </p:ext>
+    </p:extLst>
+  </p:cSld>
+  <p:clrMapOvr>
+    <a:masterClrMapping/>
+  </p:clrMapOvr>
+</p:sld>
+</file>
+
+<file path=ppt/slides/slide51.xml><?xml version="1.0" encoding="utf-8"?>
+<p:sld xmlns:a="http://schemas.openxmlformats.org/drawingml/2006/main" xmlns:r="http://schemas.openxmlformats.org/officeDocument/2006/relationships" xmlns:p="http://schemas.openxmlformats.org/presentationml/2006/main">
+  <p:cSld>
+    <p:spTree>
+      <p:nvGrpSpPr>
+        <p:cNvPr id="1" name=""/>
+        <p:cNvGrpSpPr/>
+        <p:nvPr/>
+      </p:nvGrpSpPr>
+      <p:grpSpPr>
+        <a:xfrm>
+          <a:off x="0" y="0"/>
+          <a:ext cx="0" cy="0"/>
+          <a:chOff x="0" y="0"/>
+          <a:chExt cx="0" cy="0"/>
+        </a:xfrm>
+      </p:grpSpPr>
+      <p:sp>
+        <p:nvSpPr>
+          <p:cNvPr id="2" name="Title 1"/>
+          <p:cNvSpPr>
+            <a:spLocks noGrp="1"/>
+          </p:cNvSpPr>
+          <p:nvPr>
+            <p:ph type="title"/>
+          </p:nvPr>
+        </p:nvSpPr>
+        <p:spPr/>
+        <p:txBody>
+          <a:bodyPr/>
+          <a:lstStyle/>
+          <a:p>
+            <a:r>
+              <a:rPr lang="en-GB" dirty="0"/>
+              <a:t>Big O notation comparison</a:t>
+            </a:r>
+          </a:p>
+        </p:txBody>
+      </p:sp>
+      <p:pic>
+        <p:nvPicPr>
+          <p:cNvPr id="5" name="Content Placeholder 4"/>
+          <p:cNvPicPr>
+            <a:picLocks noGrp="1" noChangeAspect="1"/>
+          </p:cNvPicPr>
+          <p:nvPr>
+            <p:ph idx="1"/>
+          </p:nvPr>
+        </p:nvPicPr>
+        <p:blipFill>
+          <a:blip r:embed="rId2">
+            <a:extLst>
+              <a:ext uri="{28A0092B-C50C-407E-A947-70E740481C1C}">
+                <a14:useLocalDpi xmlns:a14="http://schemas.microsoft.com/office/drawing/2010/main" val="0"/>
+              </a:ext>
+            </a:extLst>
+          </a:blip>
+          <a:stretch>
+            <a:fillRect/>
+          </a:stretch>
+        </p:blipFill>
+        <p:spPr>
+          <a:xfrm>
             <a:off x="1967276" y="1689100"/>
             <a:ext cx="6846574" cy="4165600"/>
           </a:xfrm>
@@ -22224,7 +23345,7 @@
 </p:sld>
 </file>
 
-<file path=ppt/slides/slide51.xml><?xml version="1.0" encoding="utf-8"?>
+<file path=ppt/slides/slide52.xml><?xml version="1.0" encoding="utf-8"?>
 <p:sld xmlns:a="http://schemas.openxmlformats.org/drawingml/2006/main" xmlns:r="http://schemas.openxmlformats.org/officeDocument/2006/relationships" xmlns:p="http://schemas.openxmlformats.org/presentationml/2006/main">
   <p:cSld>
     <p:spTree>
@@ -22328,7 +23449,7 @@
 </p:sld>
 </file>
 
-<file path=ppt/slides/slide52.xml><?xml version="1.0" encoding="utf-8"?>
+<file path=ppt/slides/slide53.xml><?xml version="1.0" encoding="utf-8"?>
 <p:sld xmlns:a="http://schemas.openxmlformats.org/drawingml/2006/main" xmlns:r="http://schemas.openxmlformats.org/officeDocument/2006/relationships" xmlns:p="http://schemas.openxmlformats.org/presentationml/2006/main">
   <p:cSld>
     <p:spTree>
@@ -22433,7 +23554,7 @@
 </p:sld>
 </file>
 
-<file path=ppt/slides/slide53.xml><?xml version="1.0" encoding="utf-8"?>
+<file path=ppt/slides/slide54.xml><?xml version="1.0" encoding="utf-8"?>
 <p:sld xmlns:a="http://schemas.openxmlformats.org/drawingml/2006/main" xmlns:r="http://schemas.openxmlformats.org/officeDocument/2006/relationships" xmlns:p="http://schemas.openxmlformats.org/presentationml/2006/main">
   <p:cSld>
     <p:spTree>
@@ -22538,7 +23659,7 @@
 </p:sld>
 </file>
 
-<file path=ppt/slides/slide54.xml><?xml version="1.0" encoding="utf-8"?>
+<file path=ppt/slides/slide55.xml><?xml version="1.0" encoding="utf-8"?>
 <p:sld xmlns:a="http://schemas.openxmlformats.org/drawingml/2006/main" xmlns:r="http://schemas.openxmlformats.org/officeDocument/2006/relationships" xmlns:p="http://schemas.openxmlformats.org/presentationml/2006/main">
   <p:cSld>
     <p:spTree>
@@ -22643,7 +23764,7 @@
 </p:sld>
 </file>
 
-<file path=ppt/slides/slide55.xml><?xml version="1.0" encoding="utf-8"?>
+<file path=ppt/slides/slide56.xml><?xml version="1.0" encoding="utf-8"?>
 <p:sld xmlns:a="http://schemas.openxmlformats.org/drawingml/2006/main" xmlns:r="http://schemas.openxmlformats.org/officeDocument/2006/relationships" xmlns:p="http://schemas.openxmlformats.org/presentationml/2006/main">
   <p:cSld>
     <p:spTree>
